--- a/pics/2020-11-19-eigen_decomposition/pics.pptx
+++ b/pics/2020-11-19-eigen_decomposition/pics.pptx
@@ -4,6 +4,9 @@
   <p:sldMasterIdLst>
     <p:sldMasterId id="2147483648" r:id="rId1"/>
   </p:sldMasterIdLst>
+  <p:sldIdLst>
+    <p:sldId id="256" r:id="rId2"/>
+  </p:sldIdLst>
   <p:sldSz cx="9144000" cy="6858000" type="screen4x3"/>
   <p:notesSz cx="6858000" cy="9144000"/>
   <p:defaultTextStyle>
@@ -285,7 +288,7 @@
           <a:p>
             <a:fld id="{FB30EDBD-1C2D-4C1E-B459-B60219FAB484}" type="datetimeFigureOut">
               <a:rPr lang="ko-KR" altLang="en-US" smtClean="0"/>
-              <a:t>2006-10-04</a:t>
+              <a:t>2020-11-23</a:t>
             </a:fld>
             <a:endParaRPr lang="ko-KR" altLang="en-US"/>
           </a:p>
@@ -450,7 +453,7 @@
           <a:p>
             <a:fld id="{FB30EDBD-1C2D-4C1E-B459-B60219FAB484}" type="datetimeFigureOut">
               <a:rPr lang="ko-KR" altLang="en-US" smtClean="0"/>
-              <a:t>2006-10-04</a:t>
+              <a:t>2020-11-23</a:t>
             </a:fld>
             <a:endParaRPr lang="ko-KR" altLang="en-US"/>
           </a:p>
@@ -625,7 +628,7 @@
           <a:p>
             <a:fld id="{FB30EDBD-1C2D-4C1E-B459-B60219FAB484}" type="datetimeFigureOut">
               <a:rPr lang="ko-KR" altLang="en-US" smtClean="0"/>
-              <a:t>2006-10-04</a:t>
+              <a:t>2020-11-23</a:t>
             </a:fld>
             <a:endParaRPr lang="ko-KR" altLang="en-US"/>
           </a:p>
@@ -790,7 +793,7 @@
           <a:p>
             <a:fld id="{FB30EDBD-1C2D-4C1E-B459-B60219FAB484}" type="datetimeFigureOut">
               <a:rPr lang="ko-KR" altLang="en-US" smtClean="0"/>
-              <a:t>2006-10-04</a:t>
+              <a:t>2020-11-23</a:t>
             </a:fld>
             <a:endParaRPr lang="ko-KR" altLang="en-US"/>
           </a:p>
@@ -1031,7 +1034,7 @@
           <a:p>
             <a:fld id="{FB30EDBD-1C2D-4C1E-B459-B60219FAB484}" type="datetimeFigureOut">
               <a:rPr lang="ko-KR" altLang="en-US" smtClean="0"/>
-              <a:t>2006-10-04</a:t>
+              <a:t>2020-11-23</a:t>
             </a:fld>
             <a:endParaRPr lang="ko-KR" altLang="en-US"/>
           </a:p>
@@ -1314,7 +1317,7 @@
           <a:p>
             <a:fld id="{FB30EDBD-1C2D-4C1E-B459-B60219FAB484}" type="datetimeFigureOut">
               <a:rPr lang="ko-KR" altLang="en-US" smtClean="0"/>
-              <a:t>2006-10-04</a:t>
+              <a:t>2020-11-23</a:t>
             </a:fld>
             <a:endParaRPr lang="ko-KR" altLang="en-US"/>
           </a:p>
@@ -1731,7 +1734,7 @@
           <a:p>
             <a:fld id="{FB30EDBD-1C2D-4C1E-B459-B60219FAB484}" type="datetimeFigureOut">
               <a:rPr lang="ko-KR" altLang="en-US" smtClean="0"/>
-              <a:t>2006-10-04</a:t>
+              <a:t>2020-11-23</a:t>
             </a:fld>
             <a:endParaRPr lang="ko-KR" altLang="en-US"/>
           </a:p>
@@ -1844,7 +1847,7 @@
           <a:p>
             <a:fld id="{FB30EDBD-1C2D-4C1E-B459-B60219FAB484}" type="datetimeFigureOut">
               <a:rPr lang="ko-KR" altLang="en-US" smtClean="0"/>
-              <a:t>2006-10-04</a:t>
+              <a:t>2020-11-23</a:t>
             </a:fld>
             <a:endParaRPr lang="ko-KR" altLang="en-US"/>
           </a:p>
@@ -1934,7 +1937,7 @@
           <a:p>
             <a:fld id="{FB30EDBD-1C2D-4C1E-B459-B60219FAB484}" type="datetimeFigureOut">
               <a:rPr lang="ko-KR" altLang="en-US" smtClean="0"/>
-              <a:t>2006-10-04</a:t>
+              <a:t>2020-11-23</a:t>
             </a:fld>
             <a:endParaRPr lang="ko-KR" altLang="en-US"/>
           </a:p>
@@ -2206,7 +2209,7 @@
           <a:p>
             <a:fld id="{FB30EDBD-1C2D-4C1E-B459-B60219FAB484}" type="datetimeFigureOut">
               <a:rPr lang="ko-KR" altLang="en-US" smtClean="0"/>
-              <a:t>2006-10-04</a:t>
+              <a:t>2020-11-23</a:t>
             </a:fld>
             <a:endParaRPr lang="ko-KR" altLang="en-US"/>
           </a:p>
@@ -2454,7 +2457,7 @@
           <a:p>
             <a:fld id="{FB30EDBD-1C2D-4C1E-B459-B60219FAB484}" type="datetimeFigureOut">
               <a:rPr lang="ko-KR" altLang="en-US" smtClean="0"/>
-              <a:t>2006-10-04</a:t>
+              <a:t>2020-11-23</a:t>
             </a:fld>
             <a:endParaRPr lang="ko-KR" altLang="en-US"/>
           </a:p>
@@ -2662,7 +2665,7 @@
           <a:p>
             <a:fld id="{FB30EDBD-1C2D-4C1E-B459-B60219FAB484}" type="datetimeFigureOut">
               <a:rPr lang="ko-KR" altLang="en-US" smtClean="0"/>
-              <a:t>2006-10-04</a:t>
+              <a:t>2020-11-23</a:t>
             </a:fld>
             <a:endParaRPr lang="ko-KR" altLang="en-US"/>
           </a:p>
@@ -3013,6 +3016,1346 @@
     </p:otherStyle>
   </p:txStyles>
 </p:sldMaster>
+</file>
+
+<file path=ppt/slides/slide1.xml><?xml version="1.0" encoding="utf-8"?>
+<p:sld xmlns:a="http://schemas.openxmlformats.org/drawingml/2006/main" xmlns:r="http://schemas.openxmlformats.org/officeDocument/2006/relationships" xmlns:p="http://schemas.openxmlformats.org/presentationml/2006/main">
+  <p:cSld>
+    <p:spTree>
+      <p:nvGrpSpPr>
+        <p:cNvPr id="1" name=""/>
+        <p:cNvGrpSpPr/>
+        <p:nvPr/>
+      </p:nvGrpSpPr>
+      <p:grpSpPr>
+        <a:xfrm>
+          <a:off x="0" y="0"/>
+          <a:ext cx="0" cy="0"/>
+          <a:chOff x="0" y="0"/>
+          <a:chExt cx="0" cy="0"/>
+        </a:xfrm>
+      </p:grpSpPr>
+      <p:sp>
+        <p:nvSpPr>
+          <p:cNvPr id="4" name="타원 3"/>
+          <p:cNvSpPr/>
+          <p:nvPr/>
+        </p:nvSpPr>
+        <p:spPr>
+          <a:xfrm>
+            <a:off x="1115616" y="764704"/>
+            <a:ext cx="1800200" cy="1800200"/>
+          </a:xfrm>
+          <a:prstGeom prst="ellipse">
+            <a:avLst/>
+          </a:prstGeom>
+          <a:solidFill>
+            <a:schemeClr val="bg1"/>
+          </a:solidFill>
+          <a:ln>
+            <a:solidFill>
+              <a:schemeClr val="tx1"/>
+            </a:solidFill>
+          </a:ln>
+        </p:spPr>
+        <p:style>
+          <a:lnRef idx="2">
+            <a:schemeClr val="accent1">
+              <a:shade val="50000"/>
+            </a:schemeClr>
+          </a:lnRef>
+          <a:fillRef idx="1">
+            <a:schemeClr val="accent1"/>
+          </a:fillRef>
+          <a:effectRef idx="0">
+            <a:schemeClr val="accent1"/>
+          </a:effectRef>
+          <a:fontRef idx="minor">
+            <a:schemeClr val="lt1"/>
+          </a:fontRef>
+        </p:style>
+        <p:txBody>
+          <a:bodyPr rtlCol="0" anchor="ctr"/>
+          <a:lstStyle/>
+          <a:p>
+            <a:pPr algn="ctr"/>
+            <a:endParaRPr lang="ko-KR" altLang="en-US"/>
+          </a:p>
+        </p:txBody>
+      </p:sp>
+      <p:sp>
+        <p:nvSpPr>
+          <p:cNvPr id="6" name="타원 5"/>
+          <p:cNvSpPr/>
+          <p:nvPr/>
+        </p:nvSpPr>
+        <p:spPr>
+          <a:xfrm>
+            <a:off x="1116101" y="3787802"/>
+            <a:ext cx="1800200" cy="1800200"/>
+          </a:xfrm>
+          <a:prstGeom prst="ellipse">
+            <a:avLst/>
+          </a:prstGeom>
+          <a:solidFill>
+            <a:schemeClr val="bg1"/>
+          </a:solidFill>
+          <a:ln>
+            <a:solidFill>
+              <a:schemeClr val="tx1"/>
+            </a:solidFill>
+          </a:ln>
+        </p:spPr>
+        <p:style>
+          <a:lnRef idx="2">
+            <a:schemeClr val="accent1">
+              <a:shade val="50000"/>
+            </a:schemeClr>
+          </a:lnRef>
+          <a:fillRef idx="1">
+            <a:schemeClr val="accent1"/>
+          </a:fillRef>
+          <a:effectRef idx="0">
+            <a:schemeClr val="accent1"/>
+          </a:effectRef>
+          <a:fontRef idx="minor">
+            <a:schemeClr val="lt1"/>
+          </a:fontRef>
+        </p:style>
+        <p:txBody>
+          <a:bodyPr rtlCol="0" anchor="ctr"/>
+          <a:lstStyle/>
+          <a:p>
+            <a:pPr algn="ctr"/>
+            <a:endParaRPr lang="ko-KR" altLang="en-US"/>
+          </a:p>
+        </p:txBody>
+      </p:sp>
+      <p:cxnSp>
+        <p:nvCxnSpPr>
+          <p:cNvPr id="9" name="직선 화살표 연결선 8"/>
+          <p:cNvCxnSpPr/>
+          <p:nvPr/>
+        </p:nvCxnSpPr>
+        <p:spPr>
+          <a:xfrm>
+            <a:off x="2016201" y="2797173"/>
+            <a:ext cx="0" cy="720080"/>
+          </a:xfrm>
+          <a:prstGeom prst="straightConnector1">
+            <a:avLst/>
+          </a:prstGeom>
+          <a:ln w="38100">
+            <a:solidFill>
+              <a:schemeClr val="tx1"/>
+            </a:solidFill>
+            <a:tailEnd type="arrow"/>
+          </a:ln>
+        </p:spPr>
+        <p:style>
+          <a:lnRef idx="1">
+            <a:schemeClr val="accent1"/>
+          </a:lnRef>
+          <a:fillRef idx="0">
+            <a:schemeClr val="accent1"/>
+          </a:fillRef>
+          <a:effectRef idx="0">
+            <a:schemeClr val="accent1"/>
+          </a:effectRef>
+          <a:fontRef idx="minor">
+            <a:schemeClr val="tx1"/>
+          </a:fontRef>
+        </p:style>
+      </p:cxnSp>
+      <p:cxnSp>
+        <p:nvCxnSpPr>
+          <p:cNvPr id="14" name="직선 화살표 연결선 13"/>
+          <p:cNvCxnSpPr/>
+          <p:nvPr/>
+        </p:nvCxnSpPr>
+        <p:spPr>
+          <a:xfrm rot="16200000">
+            <a:off x="4067944" y="4293096"/>
+            <a:ext cx="0" cy="720080"/>
+          </a:xfrm>
+          <a:prstGeom prst="straightConnector1">
+            <a:avLst/>
+          </a:prstGeom>
+          <a:ln w="38100">
+            <a:solidFill>
+              <a:schemeClr val="tx1"/>
+            </a:solidFill>
+            <a:tailEnd type="arrow"/>
+          </a:ln>
+        </p:spPr>
+        <p:style>
+          <a:lnRef idx="1">
+            <a:schemeClr val="accent1"/>
+          </a:lnRef>
+          <a:fillRef idx="0">
+            <a:schemeClr val="accent1"/>
+          </a:fillRef>
+          <a:effectRef idx="0">
+            <a:schemeClr val="accent1"/>
+          </a:effectRef>
+          <a:fontRef idx="minor">
+            <a:schemeClr val="tx1"/>
+          </a:fontRef>
+        </p:style>
+      </p:cxnSp>
+      <p:cxnSp>
+        <p:nvCxnSpPr>
+          <p:cNvPr id="15" name="직선 화살표 연결선 14"/>
+          <p:cNvCxnSpPr/>
+          <p:nvPr/>
+        </p:nvCxnSpPr>
+        <p:spPr>
+          <a:xfrm flipV="1">
+            <a:off x="6759051" y="2807052"/>
+            <a:ext cx="0" cy="720080"/>
+          </a:xfrm>
+          <a:prstGeom prst="straightConnector1">
+            <a:avLst/>
+          </a:prstGeom>
+          <a:ln w="38100">
+            <a:solidFill>
+              <a:schemeClr val="tx1"/>
+            </a:solidFill>
+            <a:tailEnd type="arrow"/>
+          </a:ln>
+        </p:spPr>
+        <p:style>
+          <a:lnRef idx="1">
+            <a:schemeClr val="accent1"/>
+          </a:lnRef>
+          <a:fillRef idx="0">
+            <a:schemeClr val="accent1"/>
+          </a:fillRef>
+          <a:effectRef idx="0">
+            <a:schemeClr val="accent1"/>
+          </a:effectRef>
+          <a:fontRef idx="minor">
+            <a:schemeClr val="tx1"/>
+          </a:fontRef>
+        </p:style>
+      </p:cxnSp>
+      <p:cxnSp>
+        <p:nvCxnSpPr>
+          <p:cNvPr id="16" name="직선 화살표 연결선 15"/>
+          <p:cNvCxnSpPr/>
+          <p:nvPr/>
+        </p:nvCxnSpPr>
+        <p:spPr>
+          <a:xfrm rot="16200000">
+            <a:off x="4067944" y="1304764"/>
+            <a:ext cx="0" cy="720080"/>
+          </a:xfrm>
+          <a:prstGeom prst="straightConnector1">
+            <a:avLst/>
+          </a:prstGeom>
+          <a:ln w="38100">
+            <a:solidFill>
+              <a:schemeClr val="tx1"/>
+            </a:solidFill>
+            <a:tailEnd type="arrow"/>
+          </a:ln>
+        </p:spPr>
+        <p:style>
+          <a:lnRef idx="1">
+            <a:schemeClr val="accent1"/>
+          </a:lnRef>
+          <a:fillRef idx="0">
+            <a:schemeClr val="accent1"/>
+          </a:fillRef>
+          <a:effectRef idx="0">
+            <a:schemeClr val="accent1"/>
+          </a:effectRef>
+          <a:fontRef idx="minor">
+            <a:schemeClr val="tx1"/>
+          </a:fontRef>
+        </p:style>
+      </p:cxnSp>
+      <p:cxnSp>
+        <p:nvCxnSpPr>
+          <p:cNvPr id="33" name="직선 화살표 연결선 32"/>
+          <p:cNvCxnSpPr/>
+          <p:nvPr/>
+        </p:nvCxnSpPr>
+        <p:spPr>
+          <a:xfrm flipV="1">
+            <a:off x="2015716" y="1664802"/>
+            <a:ext cx="900100" cy="1"/>
+          </a:xfrm>
+          <a:prstGeom prst="straightConnector1">
+            <a:avLst/>
+          </a:prstGeom>
+          <a:ln w="38100">
+            <a:solidFill>
+              <a:schemeClr val="accent1"/>
+            </a:solidFill>
+            <a:tailEnd type="arrow"/>
+          </a:ln>
+        </p:spPr>
+        <p:style>
+          <a:lnRef idx="1">
+            <a:schemeClr val="accent1"/>
+          </a:lnRef>
+          <a:fillRef idx="0">
+            <a:schemeClr val="accent1"/>
+          </a:fillRef>
+          <a:effectRef idx="0">
+            <a:schemeClr val="accent1"/>
+          </a:effectRef>
+          <a:fontRef idx="minor">
+            <a:schemeClr val="tx1"/>
+          </a:fontRef>
+        </p:style>
+      </p:cxnSp>
+      <p:cxnSp>
+        <p:nvCxnSpPr>
+          <p:cNvPr id="35" name="직선 화살표 연결선 34"/>
+          <p:cNvCxnSpPr/>
+          <p:nvPr/>
+        </p:nvCxnSpPr>
+        <p:spPr>
+          <a:xfrm rot="16200000" flipV="1">
+            <a:off x="1565665" y="1214754"/>
+            <a:ext cx="900100" cy="1"/>
+          </a:xfrm>
+          <a:prstGeom prst="straightConnector1">
+            <a:avLst/>
+          </a:prstGeom>
+          <a:ln w="38100">
+            <a:solidFill>
+              <a:srgbClr val="FF0000"/>
+            </a:solidFill>
+            <a:tailEnd type="arrow"/>
+          </a:ln>
+        </p:spPr>
+        <p:style>
+          <a:lnRef idx="1">
+            <a:schemeClr val="accent1"/>
+          </a:lnRef>
+          <a:fillRef idx="0">
+            <a:schemeClr val="accent1"/>
+          </a:fillRef>
+          <a:effectRef idx="0">
+            <a:schemeClr val="accent1"/>
+          </a:effectRef>
+          <a:fontRef idx="minor">
+            <a:schemeClr val="tx1"/>
+          </a:fontRef>
+        </p:style>
+      </p:cxnSp>
+      <p:sp>
+        <p:nvSpPr>
+          <p:cNvPr id="7" name="타원 6"/>
+          <p:cNvSpPr/>
+          <p:nvPr/>
+        </p:nvSpPr>
+        <p:spPr>
+          <a:xfrm>
+            <a:off x="5138871" y="4003826"/>
+            <a:ext cx="3240360" cy="1368152"/>
+          </a:xfrm>
+          <a:prstGeom prst="ellipse">
+            <a:avLst/>
+          </a:prstGeom>
+          <a:solidFill>
+            <a:schemeClr val="bg1"/>
+          </a:solidFill>
+          <a:ln>
+            <a:solidFill>
+              <a:schemeClr val="tx1"/>
+            </a:solidFill>
+          </a:ln>
+        </p:spPr>
+        <p:style>
+          <a:lnRef idx="2">
+            <a:schemeClr val="accent1">
+              <a:shade val="50000"/>
+            </a:schemeClr>
+          </a:lnRef>
+          <a:fillRef idx="1">
+            <a:schemeClr val="accent1"/>
+          </a:fillRef>
+          <a:effectRef idx="0">
+            <a:schemeClr val="accent1"/>
+          </a:effectRef>
+          <a:fontRef idx="minor">
+            <a:schemeClr val="lt1"/>
+          </a:fontRef>
+        </p:style>
+        <p:txBody>
+          <a:bodyPr rtlCol="0" anchor="ctr"/>
+          <a:lstStyle/>
+          <a:p>
+            <a:pPr algn="ctr"/>
+            <a:endParaRPr lang="ko-KR" altLang="en-US"/>
+          </a:p>
+        </p:txBody>
+      </p:sp>
+      <p:cxnSp>
+        <p:nvCxnSpPr>
+          <p:cNvPr id="41" name="직선 화살표 연결선 40"/>
+          <p:cNvCxnSpPr/>
+          <p:nvPr/>
+        </p:nvCxnSpPr>
+        <p:spPr>
+          <a:xfrm>
+            <a:off x="6756340" y="4703199"/>
+            <a:ext cx="1416060" cy="345981"/>
+          </a:xfrm>
+          <a:prstGeom prst="straightConnector1">
+            <a:avLst/>
+          </a:prstGeom>
+          <a:ln w="38100">
+            <a:solidFill>
+              <a:schemeClr val="accent1"/>
+            </a:solidFill>
+            <a:tailEnd type="arrow"/>
+          </a:ln>
+        </p:spPr>
+        <p:style>
+          <a:lnRef idx="1">
+            <a:schemeClr val="accent1"/>
+          </a:lnRef>
+          <a:fillRef idx="0">
+            <a:schemeClr val="accent1"/>
+          </a:fillRef>
+          <a:effectRef idx="0">
+            <a:schemeClr val="accent1"/>
+          </a:effectRef>
+          <a:fontRef idx="minor">
+            <a:schemeClr val="tx1"/>
+          </a:fontRef>
+        </p:style>
+      </p:cxnSp>
+      <p:cxnSp>
+        <p:nvCxnSpPr>
+          <p:cNvPr id="42" name="직선 화살표 연결선 41"/>
+          <p:cNvCxnSpPr/>
+          <p:nvPr/>
+        </p:nvCxnSpPr>
+        <p:spPr>
+          <a:xfrm flipV="1">
+            <a:off x="6756341" y="4257092"/>
+            <a:ext cx="1272043" cy="446107"/>
+          </a:xfrm>
+          <a:prstGeom prst="straightConnector1">
+            <a:avLst/>
+          </a:prstGeom>
+          <a:ln w="38100">
+            <a:solidFill>
+              <a:srgbClr val="FF0000"/>
+            </a:solidFill>
+            <a:tailEnd type="arrow"/>
+          </a:ln>
+        </p:spPr>
+        <p:style>
+          <a:lnRef idx="1">
+            <a:schemeClr val="accent1"/>
+          </a:lnRef>
+          <a:fillRef idx="0">
+            <a:schemeClr val="accent1"/>
+          </a:fillRef>
+          <a:effectRef idx="0">
+            <a:schemeClr val="accent1"/>
+          </a:effectRef>
+          <a:fontRef idx="minor">
+            <a:schemeClr val="tx1"/>
+          </a:fontRef>
+        </p:style>
+      </p:cxnSp>
+      <p:sp>
+        <p:nvSpPr>
+          <p:cNvPr id="78" name="타원 77"/>
+          <p:cNvSpPr/>
+          <p:nvPr/>
+        </p:nvSpPr>
+        <p:spPr>
+          <a:xfrm rot="19800000">
+            <a:off x="5138871" y="980727"/>
+            <a:ext cx="3240360" cy="1368152"/>
+          </a:xfrm>
+          <a:prstGeom prst="ellipse">
+            <a:avLst/>
+          </a:prstGeom>
+          <a:solidFill>
+            <a:schemeClr val="bg1"/>
+          </a:solidFill>
+          <a:ln>
+            <a:solidFill>
+              <a:schemeClr val="tx1"/>
+            </a:solidFill>
+          </a:ln>
+        </p:spPr>
+        <p:style>
+          <a:lnRef idx="2">
+            <a:schemeClr val="accent1">
+              <a:shade val="50000"/>
+            </a:schemeClr>
+          </a:lnRef>
+          <a:fillRef idx="1">
+            <a:schemeClr val="accent1"/>
+          </a:fillRef>
+          <a:effectRef idx="0">
+            <a:schemeClr val="accent1"/>
+          </a:effectRef>
+          <a:fontRef idx="minor">
+            <a:schemeClr val="lt1"/>
+          </a:fontRef>
+        </p:style>
+        <p:txBody>
+          <a:bodyPr rtlCol="0" anchor="ctr"/>
+          <a:lstStyle/>
+          <a:p>
+            <a:pPr algn="ctr"/>
+            <a:endParaRPr lang="ko-KR" altLang="en-US"/>
+          </a:p>
+        </p:txBody>
+      </p:sp>
+      <p:cxnSp>
+        <p:nvCxnSpPr>
+          <p:cNvPr id="79" name="직선 화살표 연결선 78"/>
+          <p:cNvCxnSpPr/>
+          <p:nvPr/>
+        </p:nvCxnSpPr>
+        <p:spPr>
+          <a:xfrm rot="19800000">
+            <a:off x="6755989" y="1302215"/>
+            <a:ext cx="1416060" cy="345981"/>
+          </a:xfrm>
+          <a:prstGeom prst="straightConnector1">
+            <a:avLst/>
+          </a:prstGeom>
+          <a:ln w="38100">
+            <a:solidFill>
+              <a:schemeClr val="accent1"/>
+            </a:solidFill>
+            <a:tailEnd type="arrow"/>
+          </a:ln>
+        </p:spPr>
+        <p:style>
+          <a:lnRef idx="1">
+            <a:schemeClr val="accent1"/>
+          </a:lnRef>
+          <a:fillRef idx="0">
+            <a:schemeClr val="accent1"/>
+          </a:fillRef>
+          <a:effectRef idx="0">
+            <a:schemeClr val="accent1"/>
+          </a:effectRef>
+          <a:fontRef idx="minor">
+            <a:schemeClr val="tx1"/>
+          </a:fontRef>
+        </p:style>
+      </p:cxnSp>
+      <p:cxnSp>
+        <p:nvCxnSpPr>
+          <p:cNvPr id="80" name="직선 화살표 연결선 79"/>
+          <p:cNvCxnSpPr/>
+          <p:nvPr/>
+        </p:nvCxnSpPr>
+        <p:spPr>
+          <a:xfrm rot="19800000" flipV="1">
+            <a:off x="6567615" y="945171"/>
+            <a:ext cx="1272043" cy="446107"/>
+          </a:xfrm>
+          <a:prstGeom prst="straightConnector1">
+            <a:avLst/>
+          </a:prstGeom>
+          <a:ln w="38100">
+            <a:solidFill>
+              <a:srgbClr val="FF0000"/>
+            </a:solidFill>
+            <a:tailEnd type="arrow"/>
+          </a:ln>
+        </p:spPr>
+        <p:style>
+          <a:lnRef idx="1">
+            <a:schemeClr val="accent1"/>
+          </a:lnRef>
+          <a:fillRef idx="0">
+            <a:schemeClr val="accent1"/>
+          </a:fillRef>
+          <a:effectRef idx="0">
+            <a:schemeClr val="accent1"/>
+          </a:effectRef>
+          <a:fontRef idx="minor">
+            <a:schemeClr val="tx1"/>
+          </a:fontRef>
+        </p:style>
+      </p:cxnSp>
+      <mc:AlternateContent xmlns:mc="http://schemas.openxmlformats.org/markup-compatibility/2006">
+        <mc:Choice xmlns:a14="http://schemas.microsoft.com/office/drawing/2010/main" Requires="a14">
+          <p:sp>
+            <p:nvSpPr>
+              <p:cNvPr id="76" name="TextBox 75"/>
+              <p:cNvSpPr txBox="1"/>
+              <p:nvPr/>
+            </p:nvSpPr>
+            <p:spPr>
+              <a:xfrm>
+                <a:off x="971600" y="2880229"/>
+                <a:ext cx="1016240" cy="584775"/>
+              </a:xfrm>
+              <a:prstGeom prst="rect">
+                <a:avLst/>
+              </a:prstGeom>
+              <a:noFill/>
+            </p:spPr>
+            <p:txBody>
+              <a:bodyPr wrap="none" rtlCol="0">
+                <a:spAutoFit/>
+              </a:bodyPr>
+              <a:lstStyle/>
+              <a:p>
+                <a14:m>
+                  <m:oMathPara xmlns:m="http://schemas.openxmlformats.org/officeDocument/2006/math">
+                    <m:oMathParaPr>
+                      <m:jc m:val="centerGroup"/>
+                    </m:oMathParaPr>
+                    <m:oMath xmlns:m="http://schemas.openxmlformats.org/officeDocument/2006/math">
+                      <m:sSup>
+                        <m:sSupPr>
+                          <m:ctrlPr>
+                            <a:rPr lang="en-US" altLang="ko-KR" sz="3200" i="1" smtClean="0">
+                              <a:latin typeface="Cambria Math"/>
+                            </a:rPr>
+                          </m:ctrlPr>
+                        </m:sSupPr>
+                        <m:e>
+                          <m:r>
+                            <a:rPr lang="en-US" altLang="ko-KR" sz="3200" b="0" i="1" smtClean="0">
+                              <a:latin typeface="Cambria Math"/>
+                            </a:rPr>
+                            <m:t>𝑉</m:t>
+                          </m:r>
+                        </m:e>
+                        <m:sup>
+                          <m:r>
+                            <a:rPr lang="en-US" altLang="ko-KR" sz="3200" b="0" i="1" smtClean="0">
+                              <a:latin typeface="Cambria Math"/>
+                            </a:rPr>
+                            <m:t>−1</m:t>
+                          </m:r>
+                        </m:sup>
+                      </m:sSup>
+                    </m:oMath>
+                  </m:oMathPara>
+                </a14:m>
+                <a:endParaRPr lang="ko-KR" altLang="en-US" sz="3200" dirty="0"/>
+              </a:p>
+            </p:txBody>
+          </p:sp>
+        </mc:Choice>
+        <mc:Fallback>
+          <p:sp>
+            <p:nvSpPr>
+              <p:cNvPr id="76" name="TextBox 75"/>
+              <p:cNvSpPr txBox="1">
+                <a:spLocks noRot="1" noChangeAspect="1" noMove="1" noResize="1" noEditPoints="1" noAdjustHandles="1" noChangeArrowheads="1" noChangeShapeType="1" noTextEdit="1"/>
+              </p:cNvSpPr>
+              <p:nvPr/>
+            </p:nvSpPr>
+            <p:spPr>
+              <a:xfrm>
+                <a:off x="971600" y="2880229"/>
+                <a:ext cx="1016240" cy="584775"/>
+              </a:xfrm>
+              <a:prstGeom prst="rect">
+                <a:avLst/>
+              </a:prstGeom>
+              <a:blipFill rotWithShape="1">
+                <a:blip r:embed="rId2"/>
+                <a:stretch>
+                  <a:fillRect/>
+                </a:stretch>
+              </a:blipFill>
+            </p:spPr>
+            <p:txBody>
+              <a:bodyPr/>
+              <a:lstStyle/>
+              <a:p>
+                <a:r>
+                  <a:rPr lang="ko-KR" altLang="en-US">
+                    <a:noFill/>
+                  </a:rPr>
+                  <a:t> </a:t>
+                </a:r>
+              </a:p>
+            </p:txBody>
+          </p:sp>
+        </mc:Fallback>
+      </mc:AlternateContent>
+      <mc:AlternateContent xmlns:mc="http://schemas.openxmlformats.org/markup-compatibility/2006">
+        <mc:Choice xmlns:a14="http://schemas.microsoft.com/office/drawing/2010/main" Requires="a14">
+          <p:sp>
+            <p:nvSpPr>
+              <p:cNvPr id="82" name="TextBox 81"/>
+              <p:cNvSpPr txBox="1"/>
+              <p:nvPr/>
+            </p:nvSpPr>
+            <p:spPr>
+              <a:xfrm>
+                <a:off x="3779243" y="4809984"/>
+                <a:ext cx="577401" cy="584775"/>
+              </a:xfrm>
+              <a:prstGeom prst="rect">
+                <a:avLst/>
+              </a:prstGeom>
+              <a:noFill/>
+            </p:spPr>
+            <p:txBody>
+              <a:bodyPr wrap="none" rtlCol="0">
+                <a:spAutoFit/>
+              </a:bodyPr>
+              <a:lstStyle/>
+              <a:p>
+                <a14:m>
+                  <m:oMathPara xmlns:m="http://schemas.openxmlformats.org/officeDocument/2006/math">
+                    <m:oMathParaPr>
+                      <m:jc m:val="centerGroup"/>
+                    </m:oMathParaPr>
+                    <m:oMath xmlns:m="http://schemas.openxmlformats.org/officeDocument/2006/math">
+                      <m:r>
+                        <m:rPr>
+                          <m:sty m:val="p"/>
+                        </m:rPr>
+                        <a:rPr lang="en-US" altLang="ko-KR" sz="3200" i="0" smtClean="0">
+                          <a:latin typeface="Cambria Math"/>
+                        </a:rPr>
+                        <m:t>Λ</m:t>
+                      </m:r>
+                    </m:oMath>
+                  </m:oMathPara>
+                </a14:m>
+                <a:endParaRPr lang="ko-KR" altLang="en-US" sz="3200" dirty="0"/>
+              </a:p>
+            </p:txBody>
+          </p:sp>
+        </mc:Choice>
+        <mc:Fallback>
+          <p:sp>
+            <p:nvSpPr>
+              <p:cNvPr id="82" name="TextBox 81"/>
+              <p:cNvSpPr txBox="1">
+                <a:spLocks noRot="1" noChangeAspect="1" noMove="1" noResize="1" noEditPoints="1" noAdjustHandles="1" noChangeArrowheads="1" noChangeShapeType="1" noTextEdit="1"/>
+              </p:cNvSpPr>
+              <p:nvPr/>
+            </p:nvSpPr>
+            <p:spPr>
+              <a:xfrm>
+                <a:off x="3779243" y="4809984"/>
+                <a:ext cx="577401" cy="584775"/>
+              </a:xfrm>
+              <a:prstGeom prst="rect">
+                <a:avLst/>
+              </a:prstGeom>
+              <a:blipFill rotWithShape="1">
+                <a:blip r:embed="rId3"/>
+                <a:stretch>
+                  <a:fillRect/>
+                </a:stretch>
+              </a:blipFill>
+            </p:spPr>
+            <p:txBody>
+              <a:bodyPr/>
+              <a:lstStyle/>
+              <a:p>
+                <a:r>
+                  <a:rPr lang="ko-KR" altLang="en-US">
+                    <a:noFill/>
+                  </a:rPr>
+                  <a:t> </a:t>
+                </a:r>
+              </a:p>
+            </p:txBody>
+          </p:sp>
+        </mc:Fallback>
+      </mc:AlternateContent>
+      <mc:AlternateContent xmlns:mc="http://schemas.openxmlformats.org/markup-compatibility/2006">
+        <mc:Choice xmlns:a14="http://schemas.microsoft.com/office/drawing/2010/main" Requires="a14">
+          <p:sp>
+            <p:nvSpPr>
+              <p:cNvPr id="84" name="TextBox 83"/>
+              <p:cNvSpPr txBox="1"/>
+              <p:nvPr/>
+            </p:nvSpPr>
+            <p:spPr>
+              <a:xfrm>
+                <a:off x="6914935" y="2899544"/>
+                <a:ext cx="577401" cy="584775"/>
+              </a:xfrm>
+              <a:prstGeom prst="rect">
+                <a:avLst/>
+              </a:prstGeom>
+              <a:noFill/>
+            </p:spPr>
+            <p:txBody>
+              <a:bodyPr wrap="none" rtlCol="0">
+                <a:spAutoFit/>
+              </a:bodyPr>
+              <a:lstStyle/>
+              <a:p>
+                <a14:m>
+                  <m:oMathPara xmlns:m="http://schemas.openxmlformats.org/officeDocument/2006/math">
+                    <m:oMathParaPr>
+                      <m:jc m:val="centerGroup"/>
+                    </m:oMathParaPr>
+                    <m:oMath xmlns:m="http://schemas.openxmlformats.org/officeDocument/2006/math">
+                      <m:r>
+                        <m:rPr>
+                          <m:sty m:val="p"/>
+                        </m:rPr>
+                        <a:rPr lang="en-US" altLang="ko-KR" sz="3200" b="0" i="0" smtClean="0">
+                          <a:latin typeface="Cambria Math"/>
+                        </a:rPr>
+                        <m:t>V</m:t>
+                      </m:r>
+                    </m:oMath>
+                  </m:oMathPara>
+                </a14:m>
+                <a:endParaRPr lang="ko-KR" altLang="en-US" sz="3200" dirty="0"/>
+              </a:p>
+            </p:txBody>
+          </p:sp>
+        </mc:Choice>
+        <mc:Fallback>
+          <p:sp>
+            <p:nvSpPr>
+              <p:cNvPr id="84" name="TextBox 83"/>
+              <p:cNvSpPr txBox="1">
+                <a:spLocks noRot="1" noChangeAspect="1" noMove="1" noResize="1" noEditPoints="1" noAdjustHandles="1" noChangeArrowheads="1" noChangeShapeType="1" noTextEdit="1"/>
+              </p:cNvSpPr>
+              <p:nvPr/>
+            </p:nvSpPr>
+            <p:spPr>
+              <a:xfrm>
+                <a:off x="6914935" y="2899544"/>
+                <a:ext cx="577401" cy="584775"/>
+              </a:xfrm>
+              <a:prstGeom prst="rect">
+                <a:avLst/>
+              </a:prstGeom>
+              <a:blipFill rotWithShape="1">
+                <a:blip r:embed="rId4"/>
+                <a:stretch>
+                  <a:fillRect/>
+                </a:stretch>
+              </a:blipFill>
+            </p:spPr>
+            <p:txBody>
+              <a:bodyPr/>
+              <a:lstStyle/>
+              <a:p>
+                <a:r>
+                  <a:rPr lang="ko-KR" altLang="en-US">
+                    <a:noFill/>
+                  </a:rPr>
+                  <a:t> </a:t>
+                </a:r>
+              </a:p>
+            </p:txBody>
+          </p:sp>
+        </mc:Fallback>
+      </mc:AlternateContent>
+      <mc:AlternateContent xmlns:mc="http://schemas.openxmlformats.org/markup-compatibility/2006">
+        <mc:Choice xmlns:a14="http://schemas.microsoft.com/office/drawing/2010/main" Requires="a14">
+          <p:sp>
+            <p:nvSpPr>
+              <p:cNvPr id="85" name="TextBox 84"/>
+              <p:cNvSpPr txBox="1"/>
+              <p:nvPr/>
+            </p:nvSpPr>
+            <p:spPr>
+              <a:xfrm>
+                <a:off x="3779243" y="922366"/>
+                <a:ext cx="585417" cy="584775"/>
+              </a:xfrm>
+              <a:prstGeom prst="rect">
+                <a:avLst/>
+              </a:prstGeom>
+              <a:noFill/>
+            </p:spPr>
+            <p:txBody>
+              <a:bodyPr wrap="none" rtlCol="0">
+                <a:spAutoFit/>
+              </a:bodyPr>
+              <a:lstStyle/>
+              <a:p>
+                <a14:m>
+                  <m:oMathPara xmlns:m="http://schemas.openxmlformats.org/officeDocument/2006/math">
+                    <m:oMathParaPr>
+                      <m:jc m:val="centerGroup"/>
+                    </m:oMathParaPr>
+                    <m:oMath xmlns:m="http://schemas.openxmlformats.org/officeDocument/2006/math">
+                      <m:r>
+                        <m:rPr>
+                          <m:sty m:val="p"/>
+                        </m:rPr>
+                        <a:rPr lang="en-US" altLang="ko-KR" sz="3200" b="0" i="0" smtClean="0">
+                          <a:latin typeface="Cambria Math"/>
+                        </a:rPr>
+                        <m:t>A</m:t>
+                      </m:r>
+                    </m:oMath>
+                  </m:oMathPara>
+                </a14:m>
+                <a:endParaRPr lang="ko-KR" altLang="en-US" sz="3200" dirty="0"/>
+              </a:p>
+            </p:txBody>
+          </p:sp>
+        </mc:Choice>
+        <mc:Fallback>
+          <p:sp>
+            <p:nvSpPr>
+              <p:cNvPr id="85" name="TextBox 84"/>
+              <p:cNvSpPr txBox="1">
+                <a:spLocks noRot="1" noChangeAspect="1" noMove="1" noResize="1" noEditPoints="1" noAdjustHandles="1" noChangeArrowheads="1" noChangeShapeType="1" noTextEdit="1"/>
+              </p:cNvSpPr>
+              <p:nvPr/>
+            </p:nvSpPr>
+            <p:spPr>
+              <a:xfrm>
+                <a:off x="3779243" y="922366"/>
+                <a:ext cx="585417" cy="584775"/>
+              </a:xfrm>
+              <a:prstGeom prst="rect">
+                <a:avLst/>
+              </a:prstGeom>
+              <a:blipFill rotWithShape="1">
+                <a:blip r:embed="rId5"/>
+                <a:stretch>
+                  <a:fillRect/>
+                </a:stretch>
+              </a:blipFill>
+            </p:spPr>
+            <p:txBody>
+              <a:bodyPr/>
+              <a:lstStyle/>
+              <a:p>
+                <a:r>
+                  <a:rPr lang="ko-KR" altLang="en-US">
+                    <a:noFill/>
+                  </a:rPr>
+                  <a:t> </a:t>
+                </a:r>
+              </a:p>
+            </p:txBody>
+          </p:sp>
+        </mc:Fallback>
+      </mc:AlternateContent>
+      <p:cxnSp>
+        <p:nvCxnSpPr>
+          <p:cNvPr id="86" name="직선 연결선 85"/>
+          <p:cNvCxnSpPr>
+            <a:endCxn id="7" idx="6"/>
+          </p:cNvCxnSpPr>
+          <p:nvPr/>
+        </p:nvCxnSpPr>
+        <p:spPr>
+          <a:xfrm flipV="1">
+            <a:off x="6764351" y="4687902"/>
+            <a:ext cx="1614880" cy="15297"/>
+          </a:xfrm>
+          <a:prstGeom prst="line">
+            <a:avLst/>
+          </a:prstGeom>
+          <a:ln>
+            <a:solidFill>
+              <a:schemeClr val="tx1"/>
+            </a:solidFill>
+            <a:prstDash val="lgDash"/>
+          </a:ln>
+        </p:spPr>
+        <p:style>
+          <a:lnRef idx="1">
+            <a:schemeClr val="accent1"/>
+          </a:lnRef>
+          <a:fillRef idx="0">
+            <a:schemeClr val="accent1"/>
+          </a:fillRef>
+          <a:effectRef idx="0">
+            <a:schemeClr val="accent1"/>
+          </a:effectRef>
+          <a:fontRef idx="minor">
+            <a:schemeClr val="tx1"/>
+          </a:fontRef>
+        </p:style>
+      </p:cxnSp>
+      <p:cxnSp>
+        <p:nvCxnSpPr>
+          <p:cNvPr id="88" name="직선 연결선 87"/>
+          <p:cNvCxnSpPr>
+            <a:endCxn id="7" idx="0"/>
+          </p:cNvCxnSpPr>
+          <p:nvPr/>
+        </p:nvCxnSpPr>
+        <p:spPr>
+          <a:xfrm flipV="1">
+            <a:off x="6759051" y="4003826"/>
+            <a:ext cx="0" cy="691724"/>
+          </a:xfrm>
+          <a:prstGeom prst="line">
+            <a:avLst/>
+          </a:prstGeom>
+          <a:ln>
+            <a:solidFill>
+              <a:schemeClr val="tx1"/>
+            </a:solidFill>
+            <a:prstDash val="lgDash"/>
+          </a:ln>
+        </p:spPr>
+        <p:style>
+          <a:lnRef idx="1">
+            <a:schemeClr val="accent1"/>
+          </a:lnRef>
+          <a:fillRef idx="0">
+            <a:schemeClr val="accent1"/>
+          </a:fillRef>
+          <a:effectRef idx="0">
+            <a:schemeClr val="accent1"/>
+          </a:effectRef>
+          <a:fontRef idx="minor">
+            <a:schemeClr val="tx1"/>
+          </a:fontRef>
+        </p:style>
+      </p:cxnSp>
+      <mc:AlternateContent xmlns:mc="http://schemas.openxmlformats.org/markup-compatibility/2006">
+        <mc:Choice xmlns:a14="http://schemas.microsoft.com/office/drawing/2010/main" Requires="a14">
+          <p:sp>
+            <p:nvSpPr>
+              <p:cNvPr id="91" name="TextBox 90"/>
+              <p:cNvSpPr txBox="1"/>
+              <p:nvPr/>
+            </p:nvSpPr>
+            <p:spPr>
+              <a:xfrm>
+                <a:off x="7621645" y="4333865"/>
+                <a:ext cx="488659" cy="369332"/>
+              </a:xfrm>
+              <a:prstGeom prst="rect">
+                <a:avLst/>
+              </a:prstGeom>
+              <a:noFill/>
+            </p:spPr>
+            <p:txBody>
+              <a:bodyPr wrap="none" rtlCol="0">
+                <a:spAutoFit/>
+              </a:bodyPr>
+              <a:lstStyle/>
+              <a:p>
+                <a14:m>
+                  <m:oMathPara xmlns:m="http://schemas.openxmlformats.org/officeDocument/2006/math">
+                    <m:oMathParaPr>
+                      <m:jc m:val="centerGroup"/>
+                    </m:oMathParaPr>
+                    <m:oMath xmlns:m="http://schemas.openxmlformats.org/officeDocument/2006/math">
+                      <m:sSub>
+                        <m:sSubPr>
+                          <m:ctrlPr>
+                            <a:rPr lang="en-US" altLang="ko-KR" b="0" i="1" smtClean="0">
+                              <a:latin typeface="Cambria Math"/>
+                            </a:rPr>
+                          </m:ctrlPr>
+                        </m:sSubPr>
+                        <m:e>
+                          <m:r>
+                            <a:rPr lang="en-US" altLang="ko-KR" b="0" i="1" smtClean="0">
+                              <a:latin typeface="Cambria Math"/>
+                            </a:rPr>
+                            <m:t>𝜆</m:t>
+                          </m:r>
+                        </m:e>
+                        <m:sub>
+                          <m:r>
+                            <a:rPr lang="en-US" altLang="ko-KR" b="0" i="1" smtClean="0">
+                              <a:latin typeface="Cambria Math"/>
+                            </a:rPr>
+                            <m:t>1</m:t>
+                          </m:r>
+                        </m:sub>
+                      </m:sSub>
+                    </m:oMath>
+                  </m:oMathPara>
+                </a14:m>
+                <a:endParaRPr lang="ko-KR" altLang="en-US" dirty="0"/>
+              </a:p>
+            </p:txBody>
+          </p:sp>
+        </mc:Choice>
+        <mc:Fallback>
+          <p:sp>
+            <p:nvSpPr>
+              <p:cNvPr id="91" name="TextBox 90"/>
+              <p:cNvSpPr txBox="1">
+                <a:spLocks noRot="1" noChangeAspect="1" noMove="1" noResize="1" noEditPoints="1" noAdjustHandles="1" noChangeArrowheads="1" noChangeShapeType="1" noTextEdit="1"/>
+              </p:cNvSpPr>
+              <p:nvPr/>
+            </p:nvSpPr>
+            <p:spPr>
+              <a:xfrm>
+                <a:off x="7621645" y="4333865"/>
+                <a:ext cx="488659" cy="369332"/>
+              </a:xfrm>
+              <a:prstGeom prst="rect">
+                <a:avLst/>
+              </a:prstGeom>
+              <a:blipFill rotWithShape="1">
+                <a:blip r:embed="rId6"/>
+                <a:stretch>
+                  <a:fillRect b="-1639"/>
+                </a:stretch>
+              </a:blipFill>
+            </p:spPr>
+            <p:txBody>
+              <a:bodyPr/>
+              <a:lstStyle/>
+              <a:p>
+                <a:r>
+                  <a:rPr lang="ko-KR" altLang="en-US">
+                    <a:noFill/>
+                  </a:rPr>
+                  <a:t> </a:t>
+                </a:r>
+              </a:p>
+            </p:txBody>
+          </p:sp>
+        </mc:Fallback>
+      </mc:AlternateContent>
+      <mc:AlternateContent xmlns:mc="http://schemas.openxmlformats.org/markup-compatibility/2006">
+        <mc:Choice xmlns:a14="http://schemas.microsoft.com/office/drawing/2010/main" Requires="a14">
+          <p:sp>
+            <p:nvSpPr>
+              <p:cNvPr id="93" name="TextBox 92"/>
+              <p:cNvSpPr txBox="1"/>
+              <p:nvPr/>
+            </p:nvSpPr>
+            <p:spPr>
+              <a:xfrm>
+                <a:off x="6323608" y="4136700"/>
+                <a:ext cx="493981" cy="369332"/>
+              </a:xfrm>
+              <a:prstGeom prst="rect">
+                <a:avLst/>
+              </a:prstGeom>
+              <a:noFill/>
+            </p:spPr>
+            <p:txBody>
+              <a:bodyPr wrap="none" rtlCol="0">
+                <a:spAutoFit/>
+              </a:bodyPr>
+              <a:lstStyle/>
+              <a:p>
+                <a14:m>
+                  <m:oMathPara xmlns:m="http://schemas.openxmlformats.org/officeDocument/2006/math">
+                    <m:oMathParaPr>
+                      <m:jc m:val="centerGroup"/>
+                    </m:oMathParaPr>
+                    <m:oMath xmlns:m="http://schemas.openxmlformats.org/officeDocument/2006/math">
+                      <m:sSub>
+                        <m:sSubPr>
+                          <m:ctrlPr>
+                            <a:rPr lang="en-US" altLang="ko-KR" b="0" i="1" smtClean="0">
+                              <a:latin typeface="Cambria Math"/>
+                            </a:rPr>
+                          </m:ctrlPr>
+                        </m:sSubPr>
+                        <m:e>
+                          <m:r>
+                            <a:rPr lang="en-US" altLang="ko-KR" b="0" i="1" smtClean="0">
+                              <a:latin typeface="Cambria Math"/>
+                            </a:rPr>
+                            <m:t>𝜆</m:t>
+                          </m:r>
+                        </m:e>
+                        <m:sub>
+                          <m:r>
+                            <a:rPr lang="en-US" altLang="ko-KR" b="0" i="1" smtClean="0">
+                              <a:latin typeface="Cambria Math"/>
+                            </a:rPr>
+                            <m:t>2</m:t>
+                          </m:r>
+                        </m:sub>
+                      </m:sSub>
+                    </m:oMath>
+                  </m:oMathPara>
+                </a14:m>
+                <a:endParaRPr lang="ko-KR" altLang="en-US" dirty="0"/>
+              </a:p>
+            </p:txBody>
+          </p:sp>
+        </mc:Choice>
+        <mc:Fallback>
+          <p:sp>
+            <p:nvSpPr>
+              <p:cNvPr id="93" name="TextBox 92"/>
+              <p:cNvSpPr txBox="1">
+                <a:spLocks noRot="1" noChangeAspect="1" noMove="1" noResize="1" noEditPoints="1" noAdjustHandles="1" noChangeArrowheads="1" noChangeShapeType="1" noTextEdit="1"/>
+              </p:cNvSpPr>
+              <p:nvPr/>
+            </p:nvSpPr>
+            <p:spPr>
+              <a:xfrm>
+                <a:off x="6323608" y="4136700"/>
+                <a:ext cx="493981" cy="369332"/>
+              </a:xfrm>
+              <a:prstGeom prst="rect">
+                <a:avLst/>
+              </a:prstGeom>
+              <a:blipFill rotWithShape="1">
+                <a:blip r:embed="rId7"/>
+                <a:stretch>
+                  <a:fillRect b="-3333"/>
+                </a:stretch>
+              </a:blipFill>
+            </p:spPr>
+            <p:txBody>
+              <a:bodyPr/>
+              <a:lstStyle/>
+              <a:p>
+                <a:r>
+                  <a:rPr lang="ko-KR" altLang="en-US">
+                    <a:noFill/>
+                  </a:rPr>
+                  <a:t> </a:t>
+                </a:r>
+              </a:p>
+            </p:txBody>
+          </p:sp>
+        </mc:Fallback>
+      </mc:AlternateContent>
+      <p:sp>
+        <p:nvSpPr>
+          <p:cNvPr id="92" name="원호 91"/>
+          <p:cNvSpPr/>
+          <p:nvPr/>
+        </p:nvSpPr>
+        <p:spPr>
+          <a:xfrm>
+            <a:off x="1843580" y="4519472"/>
+            <a:ext cx="352156" cy="352156"/>
+          </a:xfrm>
+          <a:prstGeom prst="arc">
+            <a:avLst>
+              <a:gd name="adj1" fmla="val 19785905"/>
+              <a:gd name="adj2" fmla="val 1194654"/>
+            </a:avLst>
+          </a:prstGeom>
+          <a:ln>
+            <a:solidFill>
+              <a:schemeClr val="tx1"/>
+            </a:solidFill>
+          </a:ln>
+        </p:spPr>
+        <p:style>
+          <a:lnRef idx="1">
+            <a:schemeClr val="accent1"/>
+          </a:lnRef>
+          <a:fillRef idx="0">
+            <a:schemeClr val="accent1"/>
+          </a:fillRef>
+          <a:effectRef idx="0">
+            <a:schemeClr val="accent1"/>
+          </a:effectRef>
+          <a:fontRef idx="minor">
+            <a:schemeClr val="tx1"/>
+          </a:fontRef>
+        </p:style>
+        <p:txBody>
+          <a:bodyPr rtlCol="0" anchor="ctr"/>
+          <a:lstStyle/>
+          <a:p>
+            <a:pPr algn="ctr"/>
+            <a:endParaRPr lang="ko-KR" altLang="en-US"/>
+          </a:p>
+        </p:txBody>
+      </p:sp>
+      <p:cxnSp>
+        <p:nvCxnSpPr>
+          <p:cNvPr id="38" name="직선 화살표 연결선 37"/>
+          <p:cNvCxnSpPr/>
+          <p:nvPr/>
+        </p:nvCxnSpPr>
+        <p:spPr>
+          <a:xfrm>
+            <a:off x="2019657" y="4703198"/>
+            <a:ext cx="824151" cy="345982"/>
+          </a:xfrm>
+          <a:prstGeom prst="straightConnector1">
+            <a:avLst/>
+          </a:prstGeom>
+          <a:ln w="38100">
+            <a:solidFill>
+              <a:schemeClr val="accent1"/>
+            </a:solidFill>
+            <a:tailEnd type="arrow"/>
+          </a:ln>
+        </p:spPr>
+        <p:style>
+          <a:lnRef idx="1">
+            <a:schemeClr val="accent1"/>
+          </a:lnRef>
+          <a:fillRef idx="0">
+            <a:schemeClr val="accent1"/>
+          </a:fillRef>
+          <a:effectRef idx="0">
+            <a:schemeClr val="accent1"/>
+          </a:effectRef>
+          <a:fontRef idx="minor">
+            <a:schemeClr val="tx1"/>
+          </a:fontRef>
+        </p:style>
+      </p:cxnSp>
+      <p:cxnSp>
+        <p:nvCxnSpPr>
+          <p:cNvPr id="39" name="직선 화살표 연결선 38"/>
+          <p:cNvCxnSpPr/>
+          <p:nvPr/>
+        </p:nvCxnSpPr>
+        <p:spPr>
+          <a:xfrm flipV="1">
+            <a:off x="2019658" y="4204187"/>
+            <a:ext cx="752142" cy="499010"/>
+          </a:xfrm>
+          <a:prstGeom prst="straightConnector1">
+            <a:avLst/>
+          </a:prstGeom>
+          <a:ln w="38100">
+            <a:solidFill>
+              <a:srgbClr val="FF0000"/>
+            </a:solidFill>
+            <a:tailEnd type="arrow"/>
+          </a:ln>
+        </p:spPr>
+        <p:style>
+          <a:lnRef idx="1">
+            <a:schemeClr val="accent1"/>
+          </a:lnRef>
+          <a:fillRef idx="0">
+            <a:schemeClr val="accent1"/>
+          </a:fillRef>
+          <a:effectRef idx="0">
+            <a:schemeClr val="accent1"/>
+          </a:effectRef>
+          <a:fontRef idx="minor">
+            <a:schemeClr val="tx1"/>
+          </a:fontRef>
+        </p:style>
+      </p:cxnSp>
+    </p:spTree>
+    <p:extLst>
+      <p:ext uri="{BB962C8B-B14F-4D97-AF65-F5344CB8AC3E}">
+        <p14:creationId xmlns:p14="http://schemas.microsoft.com/office/powerpoint/2010/main" val="1025743840"/>
+      </p:ext>
+    </p:extLst>
+  </p:cSld>
+  <p:clrMapOvr>
+    <a:masterClrMapping/>
+  </p:clrMapOvr>
+</p:sld>
 </file>
 
 <file path=ppt/theme/theme1.xml><?xml version="1.0" encoding="utf-8"?>

--- a/pics/2020-11-19-eigen_decomposition/pics.pptx
+++ b/pics/2020-11-19-eigen_decomposition/pics.pptx
@@ -3043,7 +3043,7 @@
         </p:nvSpPr>
         <p:spPr>
           <a:xfrm>
-            <a:off x="1115616" y="764704"/>
+            <a:off x="1115616" y="638014"/>
             <a:ext cx="1800200" cy="1800200"/>
           </a:xfrm>
           <a:prstGeom prst="ellipse">
@@ -3091,7 +3091,7 @@
         </p:nvSpPr>
         <p:spPr>
           <a:xfrm>
-            <a:off x="1116101" y="3787802"/>
+            <a:off x="1116101" y="3661112"/>
             <a:ext cx="1800200" cy="1800200"/>
           </a:xfrm>
           <a:prstGeom prst="ellipse">
@@ -3139,7 +3139,7 @@
         </p:nvCxnSpPr>
         <p:spPr>
           <a:xfrm>
-            <a:off x="2016201" y="2797173"/>
+            <a:off x="2016201" y="2670483"/>
             <a:ext cx="0" cy="720080"/>
           </a:xfrm>
           <a:prstGeom prst="straightConnector1">
@@ -3175,7 +3175,7 @@
         </p:nvCxnSpPr>
         <p:spPr>
           <a:xfrm rot="16200000">
-            <a:off x="4067944" y="4293096"/>
+            <a:off x="4067944" y="4166406"/>
             <a:ext cx="0" cy="720080"/>
           </a:xfrm>
           <a:prstGeom prst="straightConnector1">
@@ -3211,7 +3211,7 @@
         </p:nvCxnSpPr>
         <p:spPr>
           <a:xfrm flipV="1">
-            <a:off x="6759051" y="2807052"/>
+            <a:off x="6759051" y="2680362"/>
             <a:ext cx="0" cy="720080"/>
           </a:xfrm>
           <a:prstGeom prst="straightConnector1">
@@ -3247,7 +3247,7 @@
         </p:nvCxnSpPr>
         <p:spPr>
           <a:xfrm rot="16200000">
-            <a:off x="4067944" y="1304764"/>
+            <a:off x="4067944" y="1178074"/>
             <a:ext cx="0" cy="720080"/>
           </a:xfrm>
           <a:prstGeom prst="straightConnector1">
@@ -3283,7 +3283,7 @@
         </p:nvCxnSpPr>
         <p:spPr>
           <a:xfrm flipV="1">
-            <a:off x="2015716" y="1664802"/>
+            <a:off x="2015716" y="1538112"/>
             <a:ext cx="900100" cy="1"/>
           </a:xfrm>
           <a:prstGeom prst="straightConnector1">
@@ -3319,248 +3319,8 @@
         </p:nvCxnSpPr>
         <p:spPr>
           <a:xfrm rot="16200000" flipV="1">
-            <a:off x="1565665" y="1214754"/>
+            <a:off x="1565665" y="1088064"/>
             <a:ext cx="900100" cy="1"/>
-          </a:xfrm>
-          <a:prstGeom prst="straightConnector1">
-            <a:avLst/>
-          </a:prstGeom>
-          <a:ln w="38100">
-            <a:solidFill>
-              <a:srgbClr val="FF0000"/>
-            </a:solidFill>
-            <a:tailEnd type="arrow"/>
-          </a:ln>
-        </p:spPr>
-        <p:style>
-          <a:lnRef idx="1">
-            <a:schemeClr val="accent1"/>
-          </a:lnRef>
-          <a:fillRef idx="0">
-            <a:schemeClr val="accent1"/>
-          </a:fillRef>
-          <a:effectRef idx="0">
-            <a:schemeClr val="accent1"/>
-          </a:effectRef>
-          <a:fontRef idx="minor">
-            <a:schemeClr val="tx1"/>
-          </a:fontRef>
-        </p:style>
-      </p:cxnSp>
-      <p:sp>
-        <p:nvSpPr>
-          <p:cNvPr id="7" name="타원 6"/>
-          <p:cNvSpPr/>
-          <p:nvPr/>
-        </p:nvSpPr>
-        <p:spPr>
-          <a:xfrm>
-            <a:off x="5138871" y="4003826"/>
-            <a:ext cx="3240360" cy="1368152"/>
-          </a:xfrm>
-          <a:prstGeom prst="ellipse">
-            <a:avLst/>
-          </a:prstGeom>
-          <a:solidFill>
-            <a:schemeClr val="bg1"/>
-          </a:solidFill>
-          <a:ln>
-            <a:solidFill>
-              <a:schemeClr val="tx1"/>
-            </a:solidFill>
-          </a:ln>
-        </p:spPr>
-        <p:style>
-          <a:lnRef idx="2">
-            <a:schemeClr val="accent1">
-              <a:shade val="50000"/>
-            </a:schemeClr>
-          </a:lnRef>
-          <a:fillRef idx="1">
-            <a:schemeClr val="accent1"/>
-          </a:fillRef>
-          <a:effectRef idx="0">
-            <a:schemeClr val="accent1"/>
-          </a:effectRef>
-          <a:fontRef idx="minor">
-            <a:schemeClr val="lt1"/>
-          </a:fontRef>
-        </p:style>
-        <p:txBody>
-          <a:bodyPr rtlCol="0" anchor="ctr"/>
-          <a:lstStyle/>
-          <a:p>
-            <a:pPr algn="ctr"/>
-            <a:endParaRPr lang="ko-KR" altLang="en-US"/>
-          </a:p>
-        </p:txBody>
-      </p:sp>
-      <p:cxnSp>
-        <p:nvCxnSpPr>
-          <p:cNvPr id="41" name="직선 화살표 연결선 40"/>
-          <p:cNvCxnSpPr/>
-          <p:nvPr/>
-        </p:nvCxnSpPr>
-        <p:spPr>
-          <a:xfrm>
-            <a:off x="6756340" y="4703199"/>
-            <a:ext cx="1416060" cy="345981"/>
-          </a:xfrm>
-          <a:prstGeom prst="straightConnector1">
-            <a:avLst/>
-          </a:prstGeom>
-          <a:ln w="38100">
-            <a:solidFill>
-              <a:schemeClr val="accent1"/>
-            </a:solidFill>
-            <a:tailEnd type="arrow"/>
-          </a:ln>
-        </p:spPr>
-        <p:style>
-          <a:lnRef idx="1">
-            <a:schemeClr val="accent1"/>
-          </a:lnRef>
-          <a:fillRef idx="0">
-            <a:schemeClr val="accent1"/>
-          </a:fillRef>
-          <a:effectRef idx="0">
-            <a:schemeClr val="accent1"/>
-          </a:effectRef>
-          <a:fontRef idx="minor">
-            <a:schemeClr val="tx1"/>
-          </a:fontRef>
-        </p:style>
-      </p:cxnSp>
-      <p:cxnSp>
-        <p:nvCxnSpPr>
-          <p:cNvPr id="42" name="직선 화살표 연결선 41"/>
-          <p:cNvCxnSpPr/>
-          <p:nvPr/>
-        </p:nvCxnSpPr>
-        <p:spPr>
-          <a:xfrm flipV="1">
-            <a:off x="6756341" y="4257092"/>
-            <a:ext cx="1272043" cy="446107"/>
-          </a:xfrm>
-          <a:prstGeom prst="straightConnector1">
-            <a:avLst/>
-          </a:prstGeom>
-          <a:ln w="38100">
-            <a:solidFill>
-              <a:srgbClr val="FF0000"/>
-            </a:solidFill>
-            <a:tailEnd type="arrow"/>
-          </a:ln>
-        </p:spPr>
-        <p:style>
-          <a:lnRef idx="1">
-            <a:schemeClr val="accent1"/>
-          </a:lnRef>
-          <a:fillRef idx="0">
-            <a:schemeClr val="accent1"/>
-          </a:fillRef>
-          <a:effectRef idx="0">
-            <a:schemeClr val="accent1"/>
-          </a:effectRef>
-          <a:fontRef idx="minor">
-            <a:schemeClr val="tx1"/>
-          </a:fontRef>
-        </p:style>
-      </p:cxnSp>
-      <p:sp>
-        <p:nvSpPr>
-          <p:cNvPr id="78" name="타원 77"/>
-          <p:cNvSpPr/>
-          <p:nvPr/>
-        </p:nvSpPr>
-        <p:spPr>
-          <a:xfrm rot="19800000">
-            <a:off x="5138871" y="980727"/>
-            <a:ext cx="3240360" cy="1368152"/>
-          </a:xfrm>
-          <a:prstGeom prst="ellipse">
-            <a:avLst/>
-          </a:prstGeom>
-          <a:solidFill>
-            <a:schemeClr val="bg1"/>
-          </a:solidFill>
-          <a:ln>
-            <a:solidFill>
-              <a:schemeClr val="tx1"/>
-            </a:solidFill>
-          </a:ln>
-        </p:spPr>
-        <p:style>
-          <a:lnRef idx="2">
-            <a:schemeClr val="accent1">
-              <a:shade val="50000"/>
-            </a:schemeClr>
-          </a:lnRef>
-          <a:fillRef idx="1">
-            <a:schemeClr val="accent1"/>
-          </a:fillRef>
-          <a:effectRef idx="0">
-            <a:schemeClr val="accent1"/>
-          </a:effectRef>
-          <a:fontRef idx="minor">
-            <a:schemeClr val="lt1"/>
-          </a:fontRef>
-        </p:style>
-        <p:txBody>
-          <a:bodyPr rtlCol="0" anchor="ctr"/>
-          <a:lstStyle/>
-          <a:p>
-            <a:pPr algn="ctr"/>
-            <a:endParaRPr lang="ko-KR" altLang="en-US"/>
-          </a:p>
-        </p:txBody>
-      </p:sp>
-      <p:cxnSp>
-        <p:nvCxnSpPr>
-          <p:cNvPr id="79" name="직선 화살표 연결선 78"/>
-          <p:cNvCxnSpPr/>
-          <p:nvPr/>
-        </p:nvCxnSpPr>
-        <p:spPr>
-          <a:xfrm rot="19800000">
-            <a:off x="6755989" y="1302215"/>
-            <a:ext cx="1416060" cy="345981"/>
-          </a:xfrm>
-          <a:prstGeom prst="straightConnector1">
-            <a:avLst/>
-          </a:prstGeom>
-          <a:ln w="38100">
-            <a:solidFill>
-              <a:schemeClr val="accent1"/>
-            </a:solidFill>
-            <a:tailEnd type="arrow"/>
-          </a:ln>
-        </p:spPr>
-        <p:style>
-          <a:lnRef idx="1">
-            <a:schemeClr val="accent1"/>
-          </a:lnRef>
-          <a:fillRef idx="0">
-            <a:schemeClr val="accent1"/>
-          </a:fillRef>
-          <a:effectRef idx="0">
-            <a:schemeClr val="accent1"/>
-          </a:effectRef>
-          <a:fontRef idx="minor">
-            <a:schemeClr val="tx1"/>
-          </a:fontRef>
-        </p:style>
-      </p:cxnSp>
-      <p:cxnSp>
-        <p:nvCxnSpPr>
-          <p:cNvPr id="80" name="직선 화살표 연결선 79"/>
-          <p:cNvCxnSpPr/>
-          <p:nvPr/>
-        </p:nvCxnSpPr>
-        <p:spPr>
-          <a:xfrm rot="19800000" flipV="1">
-            <a:off x="6567615" y="945171"/>
-            <a:ext cx="1272043" cy="446107"/>
           </a:xfrm>
           <a:prstGeom prst="straightConnector1">
             <a:avLst/>
@@ -3597,7 +3357,7 @@
             </p:nvSpPr>
             <p:spPr>
               <a:xfrm>
-                <a:off x="971600" y="2880229"/>
+                <a:off x="971600" y="2753539"/>
                 <a:ext cx="1016240" cy="584775"/>
               </a:xfrm>
               <a:prstGeom prst="rect">
@@ -3661,7 +3421,7 @@
             </p:nvSpPr>
             <p:spPr>
               <a:xfrm>
-                <a:off x="971600" y="2880229"/>
+                <a:off x="971600" y="2753539"/>
                 <a:ext cx="1016240" cy="584775"/>
               </a:xfrm>
               <a:prstGeom prst="rect">
@@ -3699,7 +3459,7 @@
             </p:nvSpPr>
             <p:spPr>
               <a:xfrm>
-                <a:off x="3779243" y="4809984"/>
+                <a:off x="3779243" y="4683294"/>
                 <a:ext cx="577401" cy="584775"/>
               </a:xfrm>
               <a:prstGeom prst="rect">
@@ -3747,7 +3507,7 @@
             </p:nvSpPr>
             <p:spPr>
               <a:xfrm>
-                <a:off x="3779243" y="4809984"/>
+                <a:off x="3779243" y="4683294"/>
                 <a:ext cx="577401" cy="584775"/>
               </a:xfrm>
               <a:prstGeom prst="rect">
@@ -3785,7 +3545,7 @@
             </p:nvSpPr>
             <p:spPr>
               <a:xfrm>
-                <a:off x="6914935" y="2899544"/>
+                <a:off x="6914935" y="2772854"/>
                 <a:ext cx="577401" cy="584775"/>
               </a:xfrm>
               <a:prstGeom prst="rect">
@@ -3833,7 +3593,7 @@
             </p:nvSpPr>
             <p:spPr>
               <a:xfrm>
-                <a:off x="6914935" y="2899544"/>
+                <a:off x="6914935" y="2772854"/>
                 <a:ext cx="577401" cy="584775"/>
               </a:xfrm>
               <a:prstGeom prst="rect">
@@ -3871,7 +3631,7 @@
             </p:nvSpPr>
             <p:spPr>
               <a:xfrm>
-                <a:off x="3779243" y="922366"/>
+                <a:off x="3779243" y="795676"/>
                 <a:ext cx="585417" cy="584775"/>
               </a:xfrm>
               <a:prstGeom prst="rect">
@@ -3919,7 +3679,7 @@
             </p:nvSpPr>
             <p:spPr>
               <a:xfrm>
-                <a:off x="3779243" y="922366"/>
+                <a:off x="3779243" y="795676"/>
                 <a:ext cx="585417" cy="584775"/>
               </a:xfrm>
               <a:prstGeom prst="rect">
@@ -3947,286 +3707,421 @@
           </p:sp>
         </mc:Fallback>
       </mc:AlternateContent>
-      <p:cxnSp>
-        <p:nvCxnSpPr>
-          <p:cNvPr id="86" name="직선 연결선 85"/>
-          <p:cNvCxnSpPr>
-            <a:endCxn id="7" idx="6"/>
-          </p:cNvCxnSpPr>
+      <p:grpSp>
+        <p:nvGrpSpPr>
+          <p:cNvPr id="95" name="그룹 94"/>
+          <p:cNvGrpSpPr/>
           <p:nvPr/>
-        </p:nvCxnSpPr>
-        <p:spPr>
-          <a:xfrm flipV="1">
-            <a:off x="6764351" y="4687902"/>
-            <a:ext cx="1614880" cy="15297"/>
+        </p:nvGrpSpPr>
+        <p:grpSpPr>
+          <a:xfrm>
+            <a:off x="5138871" y="3877136"/>
+            <a:ext cx="3240360" cy="1368152"/>
+            <a:chOff x="5138871" y="3877136"/>
+            <a:chExt cx="3240360" cy="1368152"/>
           </a:xfrm>
-          <a:prstGeom prst="line">
-            <a:avLst/>
-          </a:prstGeom>
-          <a:ln>
+        </p:grpSpPr>
+        <p:sp>
+          <p:nvSpPr>
+            <p:cNvPr id="7" name="타원 6"/>
+            <p:cNvSpPr/>
+            <p:nvPr/>
+          </p:nvSpPr>
+          <p:spPr>
+            <a:xfrm>
+              <a:off x="5138871" y="3877136"/>
+              <a:ext cx="3240360" cy="1368152"/>
+            </a:xfrm>
+            <a:prstGeom prst="ellipse">
+              <a:avLst/>
+            </a:prstGeom>
             <a:solidFill>
+              <a:schemeClr val="bg1"/>
+            </a:solidFill>
+            <a:ln>
+              <a:solidFill>
+                <a:schemeClr val="tx1"/>
+              </a:solidFill>
+            </a:ln>
+          </p:spPr>
+          <p:style>
+            <a:lnRef idx="2">
+              <a:schemeClr val="accent1">
+                <a:shade val="50000"/>
+              </a:schemeClr>
+            </a:lnRef>
+            <a:fillRef idx="1">
+              <a:schemeClr val="accent1"/>
+            </a:fillRef>
+            <a:effectRef idx="0">
+              <a:schemeClr val="accent1"/>
+            </a:effectRef>
+            <a:fontRef idx="minor">
+              <a:schemeClr val="lt1"/>
+            </a:fontRef>
+          </p:style>
+          <p:txBody>
+            <a:bodyPr rtlCol="0" anchor="ctr"/>
+            <a:lstStyle/>
+            <a:p>
+              <a:pPr algn="ctr"/>
+              <a:endParaRPr lang="ko-KR" altLang="en-US"/>
+            </a:p>
+          </p:txBody>
+        </p:sp>
+        <p:cxnSp>
+          <p:nvCxnSpPr>
+            <p:cNvPr id="41" name="직선 화살표 연결선 40"/>
+            <p:cNvCxnSpPr/>
+            <p:nvPr/>
+          </p:nvCxnSpPr>
+          <p:spPr>
+            <a:xfrm>
+              <a:off x="6756340" y="4576509"/>
+              <a:ext cx="1416060" cy="345981"/>
+            </a:xfrm>
+            <a:prstGeom prst="straightConnector1">
+              <a:avLst/>
+            </a:prstGeom>
+            <a:ln w="38100">
+              <a:solidFill>
+                <a:schemeClr val="accent1"/>
+              </a:solidFill>
+              <a:tailEnd type="arrow"/>
+            </a:ln>
+          </p:spPr>
+          <p:style>
+            <a:lnRef idx="1">
+              <a:schemeClr val="accent1"/>
+            </a:lnRef>
+            <a:fillRef idx="0">
+              <a:schemeClr val="accent1"/>
+            </a:fillRef>
+            <a:effectRef idx="0">
+              <a:schemeClr val="accent1"/>
+            </a:effectRef>
+            <a:fontRef idx="minor">
               <a:schemeClr val="tx1"/>
-            </a:solidFill>
-            <a:prstDash val="lgDash"/>
-          </a:ln>
-        </p:spPr>
-        <p:style>
-          <a:lnRef idx="1">
-            <a:schemeClr val="accent1"/>
-          </a:lnRef>
-          <a:fillRef idx="0">
-            <a:schemeClr val="accent1"/>
-          </a:fillRef>
-          <a:effectRef idx="0">
-            <a:schemeClr val="accent1"/>
-          </a:effectRef>
-          <a:fontRef idx="minor">
-            <a:schemeClr val="tx1"/>
-          </a:fontRef>
-        </p:style>
-      </p:cxnSp>
-      <p:cxnSp>
-        <p:nvCxnSpPr>
-          <p:cNvPr id="88" name="직선 연결선 87"/>
-          <p:cNvCxnSpPr>
-            <a:endCxn id="7" idx="0"/>
-          </p:cNvCxnSpPr>
-          <p:nvPr/>
-        </p:nvCxnSpPr>
-        <p:spPr>
-          <a:xfrm flipV="1">
-            <a:off x="6759051" y="4003826"/>
-            <a:ext cx="0" cy="691724"/>
-          </a:xfrm>
-          <a:prstGeom prst="line">
-            <a:avLst/>
-          </a:prstGeom>
-          <a:ln>
-            <a:solidFill>
+            </a:fontRef>
+          </p:style>
+        </p:cxnSp>
+        <p:cxnSp>
+          <p:nvCxnSpPr>
+            <p:cNvPr id="42" name="직선 화살표 연결선 41"/>
+            <p:cNvCxnSpPr/>
+            <p:nvPr/>
+          </p:nvCxnSpPr>
+          <p:spPr>
+            <a:xfrm flipV="1">
+              <a:off x="6756341" y="4130402"/>
+              <a:ext cx="1272043" cy="446107"/>
+            </a:xfrm>
+            <a:prstGeom prst="straightConnector1">
+              <a:avLst/>
+            </a:prstGeom>
+            <a:ln w="38100">
+              <a:solidFill>
+                <a:srgbClr val="FF0000"/>
+              </a:solidFill>
+              <a:tailEnd type="arrow"/>
+            </a:ln>
+          </p:spPr>
+          <p:style>
+            <a:lnRef idx="1">
+              <a:schemeClr val="accent1"/>
+            </a:lnRef>
+            <a:fillRef idx="0">
+              <a:schemeClr val="accent1"/>
+            </a:fillRef>
+            <a:effectRef idx="0">
+              <a:schemeClr val="accent1"/>
+            </a:effectRef>
+            <a:fontRef idx="minor">
               <a:schemeClr val="tx1"/>
-            </a:solidFill>
-            <a:prstDash val="lgDash"/>
-          </a:ln>
-        </p:spPr>
-        <p:style>
-          <a:lnRef idx="1">
-            <a:schemeClr val="accent1"/>
-          </a:lnRef>
-          <a:fillRef idx="0">
-            <a:schemeClr val="accent1"/>
-          </a:fillRef>
-          <a:effectRef idx="0">
-            <a:schemeClr val="accent1"/>
-          </a:effectRef>
-          <a:fontRef idx="minor">
-            <a:schemeClr val="tx1"/>
-          </a:fontRef>
-        </p:style>
-      </p:cxnSp>
-      <mc:AlternateContent xmlns:mc="http://schemas.openxmlformats.org/markup-compatibility/2006">
-        <mc:Choice xmlns:a14="http://schemas.microsoft.com/office/drawing/2010/main" Requires="a14">
-          <p:sp>
-            <p:nvSpPr>
-              <p:cNvPr id="91" name="TextBox 90"/>
-              <p:cNvSpPr txBox="1"/>
-              <p:nvPr/>
-            </p:nvSpPr>
-            <p:spPr>
-              <a:xfrm>
-                <a:off x="7621645" y="4333865"/>
-                <a:ext cx="488659" cy="369332"/>
-              </a:xfrm>
-              <a:prstGeom prst="rect">
-                <a:avLst/>
-              </a:prstGeom>
-              <a:noFill/>
-            </p:spPr>
-            <p:txBody>
-              <a:bodyPr wrap="none" rtlCol="0">
-                <a:spAutoFit/>
-              </a:bodyPr>
-              <a:lstStyle/>
-              <a:p>
-                <a14:m>
-                  <m:oMathPara xmlns:m="http://schemas.openxmlformats.org/officeDocument/2006/math">
-                    <m:oMathParaPr>
-                      <m:jc m:val="centerGroup"/>
-                    </m:oMathParaPr>
-                    <m:oMath xmlns:m="http://schemas.openxmlformats.org/officeDocument/2006/math">
-                      <m:sSub>
-                        <m:sSubPr>
-                          <m:ctrlPr>
-                            <a:rPr lang="en-US" altLang="ko-KR" b="0" i="1" smtClean="0">
-                              <a:latin typeface="Cambria Math"/>
-                            </a:rPr>
-                          </m:ctrlPr>
-                        </m:sSubPr>
-                        <m:e>
-                          <m:r>
-                            <a:rPr lang="en-US" altLang="ko-KR" b="0" i="1" smtClean="0">
-                              <a:latin typeface="Cambria Math"/>
-                            </a:rPr>
-                            <m:t>𝜆</m:t>
-                          </m:r>
-                        </m:e>
-                        <m:sub>
-                          <m:r>
-                            <a:rPr lang="en-US" altLang="ko-KR" b="0" i="1" smtClean="0">
-                              <a:latin typeface="Cambria Math"/>
-                            </a:rPr>
-                            <m:t>1</m:t>
-                          </m:r>
-                        </m:sub>
-                      </m:sSub>
-                    </m:oMath>
-                  </m:oMathPara>
-                </a14:m>
-                <a:endParaRPr lang="ko-KR" altLang="en-US" dirty="0"/>
-              </a:p>
-            </p:txBody>
-          </p:sp>
-        </mc:Choice>
-        <mc:Fallback>
-          <p:sp>
-            <p:nvSpPr>
-              <p:cNvPr id="91" name="TextBox 90"/>
-              <p:cNvSpPr txBox="1">
-                <a:spLocks noRot="1" noChangeAspect="1" noMove="1" noResize="1" noEditPoints="1" noAdjustHandles="1" noChangeArrowheads="1" noChangeShapeType="1" noTextEdit="1"/>
-              </p:cNvSpPr>
-              <p:nvPr/>
-            </p:nvSpPr>
-            <p:spPr>
-              <a:xfrm>
-                <a:off x="7621645" y="4333865"/>
-                <a:ext cx="488659" cy="369332"/>
-              </a:xfrm>
-              <a:prstGeom prst="rect">
-                <a:avLst/>
-              </a:prstGeom>
-              <a:blipFill rotWithShape="1">
-                <a:blip r:embed="rId6"/>
-                <a:stretch>
-                  <a:fillRect b="-1639"/>
-                </a:stretch>
-              </a:blipFill>
-            </p:spPr>
-            <p:txBody>
-              <a:bodyPr/>
-              <a:lstStyle/>
-              <a:p>
-                <a:r>
-                  <a:rPr lang="ko-KR" altLang="en-US">
-                    <a:noFill/>
-                  </a:rPr>
-                  <a:t> </a:t>
-                </a:r>
-              </a:p>
-            </p:txBody>
-          </p:sp>
-        </mc:Fallback>
-      </mc:AlternateContent>
-      <mc:AlternateContent xmlns:mc="http://schemas.openxmlformats.org/markup-compatibility/2006">
-        <mc:Choice xmlns:a14="http://schemas.microsoft.com/office/drawing/2010/main" Requires="a14">
-          <p:sp>
-            <p:nvSpPr>
-              <p:cNvPr id="93" name="TextBox 92"/>
-              <p:cNvSpPr txBox="1"/>
-              <p:nvPr/>
-            </p:nvSpPr>
-            <p:spPr>
-              <a:xfrm>
-                <a:off x="6323608" y="4136700"/>
-                <a:ext cx="493981" cy="369332"/>
-              </a:xfrm>
-              <a:prstGeom prst="rect">
-                <a:avLst/>
-              </a:prstGeom>
-              <a:noFill/>
-            </p:spPr>
-            <p:txBody>
-              <a:bodyPr wrap="none" rtlCol="0">
-                <a:spAutoFit/>
-              </a:bodyPr>
-              <a:lstStyle/>
-              <a:p>
-                <a14:m>
-                  <m:oMathPara xmlns:m="http://schemas.openxmlformats.org/officeDocument/2006/math">
-                    <m:oMathParaPr>
-                      <m:jc m:val="centerGroup"/>
-                    </m:oMathParaPr>
-                    <m:oMath xmlns:m="http://schemas.openxmlformats.org/officeDocument/2006/math">
-                      <m:sSub>
-                        <m:sSubPr>
-                          <m:ctrlPr>
-                            <a:rPr lang="en-US" altLang="ko-KR" b="0" i="1" smtClean="0">
-                              <a:latin typeface="Cambria Math"/>
-                            </a:rPr>
-                          </m:ctrlPr>
-                        </m:sSubPr>
-                        <m:e>
-                          <m:r>
-                            <a:rPr lang="en-US" altLang="ko-KR" b="0" i="1" smtClean="0">
-                              <a:latin typeface="Cambria Math"/>
-                            </a:rPr>
-                            <m:t>𝜆</m:t>
-                          </m:r>
-                        </m:e>
-                        <m:sub>
-                          <m:r>
-                            <a:rPr lang="en-US" altLang="ko-KR" b="0" i="1" smtClean="0">
-                              <a:latin typeface="Cambria Math"/>
-                            </a:rPr>
-                            <m:t>2</m:t>
-                          </m:r>
-                        </m:sub>
-                      </m:sSub>
-                    </m:oMath>
-                  </m:oMathPara>
-                </a14:m>
-                <a:endParaRPr lang="ko-KR" altLang="en-US" dirty="0"/>
-              </a:p>
-            </p:txBody>
-          </p:sp>
-        </mc:Choice>
-        <mc:Fallback>
-          <p:sp>
-            <p:nvSpPr>
-              <p:cNvPr id="93" name="TextBox 92"/>
-              <p:cNvSpPr txBox="1">
-                <a:spLocks noRot="1" noChangeAspect="1" noMove="1" noResize="1" noEditPoints="1" noAdjustHandles="1" noChangeArrowheads="1" noChangeShapeType="1" noTextEdit="1"/>
-              </p:cNvSpPr>
-              <p:nvPr/>
-            </p:nvSpPr>
-            <p:spPr>
-              <a:xfrm>
-                <a:off x="6323608" y="4136700"/>
-                <a:ext cx="493981" cy="369332"/>
-              </a:xfrm>
-              <a:prstGeom prst="rect">
-                <a:avLst/>
-              </a:prstGeom>
-              <a:blipFill rotWithShape="1">
-                <a:blip r:embed="rId7"/>
-                <a:stretch>
-                  <a:fillRect b="-3333"/>
-                </a:stretch>
-              </a:blipFill>
-            </p:spPr>
-            <p:txBody>
-              <a:bodyPr/>
-              <a:lstStyle/>
-              <a:p>
-                <a:r>
-                  <a:rPr lang="ko-KR" altLang="en-US">
-                    <a:noFill/>
-                  </a:rPr>
-                  <a:t> </a:t>
-                </a:r>
-              </a:p>
-            </p:txBody>
-          </p:sp>
-        </mc:Fallback>
-      </mc:AlternateContent>
+            </a:fontRef>
+          </p:style>
+        </p:cxnSp>
+        <p:cxnSp>
+          <p:nvCxnSpPr>
+            <p:cNvPr id="86" name="직선 연결선 85"/>
+            <p:cNvCxnSpPr>
+              <a:endCxn id="7" idx="6"/>
+            </p:cNvCxnSpPr>
+            <p:nvPr/>
+          </p:nvCxnSpPr>
+          <p:spPr>
+            <a:xfrm flipV="1">
+              <a:off x="6764351" y="4561212"/>
+              <a:ext cx="1614880" cy="15297"/>
+            </a:xfrm>
+            <a:prstGeom prst="line">
+              <a:avLst/>
+            </a:prstGeom>
+            <a:ln>
+              <a:solidFill>
+                <a:schemeClr val="tx1"/>
+              </a:solidFill>
+              <a:prstDash val="lgDash"/>
+            </a:ln>
+          </p:spPr>
+          <p:style>
+            <a:lnRef idx="1">
+              <a:schemeClr val="accent1"/>
+            </a:lnRef>
+            <a:fillRef idx="0">
+              <a:schemeClr val="accent1"/>
+            </a:fillRef>
+            <a:effectRef idx="0">
+              <a:schemeClr val="accent1"/>
+            </a:effectRef>
+            <a:fontRef idx="minor">
+              <a:schemeClr val="tx1"/>
+            </a:fontRef>
+          </p:style>
+        </p:cxnSp>
+        <p:cxnSp>
+          <p:nvCxnSpPr>
+            <p:cNvPr id="88" name="직선 연결선 87"/>
+            <p:cNvCxnSpPr>
+              <a:endCxn id="7" idx="0"/>
+            </p:cNvCxnSpPr>
+            <p:nvPr/>
+          </p:nvCxnSpPr>
+          <p:spPr>
+            <a:xfrm flipV="1">
+              <a:off x="6759051" y="3877136"/>
+              <a:ext cx="0" cy="691724"/>
+            </a:xfrm>
+            <a:prstGeom prst="line">
+              <a:avLst/>
+            </a:prstGeom>
+            <a:ln>
+              <a:solidFill>
+                <a:schemeClr val="tx1"/>
+              </a:solidFill>
+              <a:prstDash val="lgDash"/>
+            </a:ln>
+          </p:spPr>
+          <p:style>
+            <a:lnRef idx="1">
+              <a:schemeClr val="accent1"/>
+            </a:lnRef>
+            <a:fillRef idx="0">
+              <a:schemeClr val="accent1"/>
+            </a:fillRef>
+            <a:effectRef idx="0">
+              <a:schemeClr val="accent1"/>
+            </a:effectRef>
+            <a:fontRef idx="minor">
+              <a:schemeClr val="tx1"/>
+            </a:fontRef>
+          </p:style>
+        </p:cxnSp>
+        <mc:AlternateContent xmlns:mc="http://schemas.openxmlformats.org/markup-compatibility/2006">
+          <mc:Choice xmlns:a14="http://schemas.microsoft.com/office/drawing/2010/main" Requires="a14">
+            <p:sp>
+              <p:nvSpPr>
+                <p:cNvPr id="91" name="TextBox 90"/>
+                <p:cNvSpPr txBox="1"/>
+                <p:nvPr/>
+              </p:nvSpPr>
+              <p:spPr>
+                <a:xfrm>
+                  <a:off x="7621645" y="4207175"/>
+                  <a:ext cx="488659" cy="369332"/>
+                </a:xfrm>
+                <a:prstGeom prst="rect">
+                  <a:avLst/>
+                </a:prstGeom>
+                <a:noFill/>
+              </p:spPr>
+              <p:txBody>
+                <a:bodyPr wrap="none" rtlCol="0">
+                  <a:spAutoFit/>
+                </a:bodyPr>
+                <a:lstStyle/>
+                <a:p>
+                  <a14:m>
+                    <m:oMathPara xmlns:m="http://schemas.openxmlformats.org/officeDocument/2006/math">
+                      <m:oMathParaPr>
+                        <m:jc m:val="centerGroup"/>
+                      </m:oMathParaPr>
+                      <m:oMath xmlns:m="http://schemas.openxmlformats.org/officeDocument/2006/math">
+                        <m:sSub>
+                          <m:sSubPr>
+                            <m:ctrlPr>
+                              <a:rPr lang="en-US" altLang="ko-KR" b="0" i="1" smtClean="0">
+                                <a:latin typeface="Cambria Math"/>
+                              </a:rPr>
+                            </m:ctrlPr>
+                          </m:sSubPr>
+                          <m:e>
+                            <m:r>
+                              <a:rPr lang="en-US" altLang="ko-KR" b="0" i="1" smtClean="0">
+                                <a:latin typeface="Cambria Math"/>
+                              </a:rPr>
+                              <m:t>𝜆</m:t>
+                            </m:r>
+                          </m:e>
+                          <m:sub>
+                            <m:r>
+                              <a:rPr lang="en-US" altLang="ko-KR" b="0" i="1" smtClean="0">
+                                <a:latin typeface="Cambria Math"/>
+                              </a:rPr>
+                              <m:t>1</m:t>
+                            </m:r>
+                          </m:sub>
+                        </m:sSub>
+                      </m:oMath>
+                    </m:oMathPara>
+                  </a14:m>
+                  <a:endParaRPr lang="ko-KR" altLang="en-US" dirty="0"/>
+                </a:p>
+              </p:txBody>
+            </p:sp>
+          </mc:Choice>
+          <mc:Fallback>
+            <p:sp>
+              <p:nvSpPr>
+                <p:cNvPr id="91" name="TextBox 90"/>
+                <p:cNvSpPr txBox="1">
+                  <a:spLocks noRot="1" noChangeAspect="1" noMove="1" noResize="1" noEditPoints="1" noAdjustHandles="1" noChangeArrowheads="1" noChangeShapeType="1" noTextEdit="1"/>
+                </p:cNvSpPr>
+                <p:nvPr/>
+              </p:nvSpPr>
+              <p:spPr>
+                <a:xfrm>
+                  <a:off x="7621645" y="4207175"/>
+                  <a:ext cx="488659" cy="369332"/>
+                </a:xfrm>
+                <a:prstGeom prst="rect">
+                  <a:avLst/>
+                </a:prstGeom>
+                <a:blipFill rotWithShape="1">
+                  <a:blip r:embed="rId6"/>
+                  <a:stretch>
+                    <a:fillRect b="-1639"/>
+                  </a:stretch>
+                </a:blipFill>
+              </p:spPr>
+              <p:txBody>
+                <a:bodyPr/>
+                <a:lstStyle/>
+                <a:p>
+                  <a:r>
+                    <a:rPr lang="ko-KR" altLang="en-US">
+                      <a:noFill/>
+                    </a:rPr>
+                    <a:t> </a:t>
+                  </a:r>
+                </a:p>
+              </p:txBody>
+            </p:sp>
+          </mc:Fallback>
+        </mc:AlternateContent>
+        <mc:AlternateContent xmlns:mc="http://schemas.openxmlformats.org/markup-compatibility/2006">
+          <mc:Choice xmlns:a14="http://schemas.microsoft.com/office/drawing/2010/main" Requires="a14">
+            <p:sp>
+              <p:nvSpPr>
+                <p:cNvPr id="93" name="TextBox 92"/>
+                <p:cNvSpPr txBox="1"/>
+                <p:nvPr/>
+              </p:nvSpPr>
+              <p:spPr>
+                <a:xfrm>
+                  <a:off x="6323608" y="4010010"/>
+                  <a:ext cx="493981" cy="369332"/>
+                </a:xfrm>
+                <a:prstGeom prst="rect">
+                  <a:avLst/>
+                </a:prstGeom>
+                <a:noFill/>
+              </p:spPr>
+              <p:txBody>
+                <a:bodyPr wrap="none" rtlCol="0">
+                  <a:spAutoFit/>
+                </a:bodyPr>
+                <a:lstStyle/>
+                <a:p>
+                  <a14:m>
+                    <m:oMathPara xmlns:m="http://schemas.openxmlformats.org/officeDocument/2006/math">
+                      <m:oMathParaPr>
+                        <m:jc m:val="centerGroup"/>
+                      </m:oMathParaPr>
+                      <m:oMath xmlns:m="http://schemas.openxmlformats.org/officeDocument/2006/math">
+                        <m:sSub>
+                          <m:sSubPr>
+                            <m:ctrlPr>
+                              <a:rPr lang="en-US" altLang="ko-KR" b="0" i="1" smtClean="0">
+                                <a:latin typeface="Cambria Math"/>
+                              </a:rPr>
+                            </m:ctrlPr>
+                          </m:sSubPr>
+                          <m:e>
+                            <m:r>
+                              <a:rPr lang="en-US" altLang="ko-KR" b="0" i="1" smtClean="0">
+                                <a:latin typeface="Cambria Math"/>
+                              </a:rPr>
+                              <m:t>𝜆</m:t>
+                            </m:r>
+                          </m:e>
+                          <m:sub>
+                            <m:r>
+                              <a:rPr lang="en-US" altLang="ko-KR" b="0" i="1" smtClean="0">
+                                <a:latin typeface="Cambria Math"/>
+                              </a:rPr>
+                              <m:t>2</m:t>
+                            </m:r>
+                          </m:sub>
+                        </m:sSub>
+                      </m:oMath>
+                    </m:oMathPara>
+                  </a14:m>
+                  <a:endParaRPr lang="ko-KR" altLang="en-US" dirty="0"/>
+                </a:p>
+              </p:txBody>
+            </p:sp>
+          </mc:Choice>
+          <mc:Fallback>
+            <p:sp>
+              <p:nvSpPr>
+                <p:cNvPr id="93" name="TextBox 92"/>
+                <p:cNvSpPr txBox="1">
+                  <a:spLocks noRot="1" noChangeAspect="1" noMove="1" noResize="1" noEditPoints="1" noAdjustHandles="1" noChangeArrowheads="1" noChangeShapeType="1" noTextEdit="1"/>
+                </p:cNvSpPr>
+                <p:nvPr/>
+              </p:nvSpPr>
+              <p:spPr>
+                <a:xfrm>
+                  <a:off x="6323608" y="4010010"/>
+                  <a:ext cx="493981" cy="369332"/>
+                </a:xfrm>
+                <a:prstGeom prst="rect">
+                  <a:avLst/>
+                </a:prstGeom>
+                <a:blipFill rotWithShape="1">
+                  <a:blip r:embed="rId7"/>
+                  <a:stretch>
+                    <a:fillRect b="-3333"/>
+                  </a:stretch>
+                </a:blipFill>
+              </p:spPr>
+              <p:txBody>
+                <a:bodyPr/>
+                <a:lstStyle/>
+                <a:p>
+                  <a:r>
+                    <a:rPr lang="ko-KR" altLang="en-US">
+                      <a:noFill/>
+                    </a:rPr>
+                    <a:t> </a:t>
+                  </a:r>
+                </a:p>
+              </p:txBody>
+            </p:sp>
+          </mc:Fallback>
+        </mc:AlternateContent>
+      </p:grpSp>
       <p:sp>
         <p:nvSpPr>
           <p:cNvPr id="92" name="원호 91"/>
@@ -4235,7 +4130,7 @@
         </p:nvSpPr>
         <p:spPr>
           <a:xfrm>
-            <a:off x="1843580" y="4519472"/>
+            <a:off x="1843580" y="4392782"/>
             <a:ext cx="352156" cy="352156"/>
           </a:xfrm>
           <a:prstGeom prst="arc">
@@ -4281,7 +4176,7 @@
         </p:nvCxnSpPr>
         <p:spPr>
           <a:xfrm>
-            <a:off x="2019657" y="4703198"/>
+            <a:off x="2019657" y="4576508"/>
             <a:ext cx="824151" cy="345982"/>
           </a:xfrm>
           <a:prstGeom prst="straightConnector1">
@@ -4317,7 +4212,7 @@
         </p:nvCxnSpPr>
         <p:spPr>
           <a:xfrm flipV="1">
-            <a:off x="2019658" y="4204187"/>
+            <a:off x="2019658" y="4077497"/>
             <a:ext cx="752142" cy="499010"/>
           </a:xfrm>
           <a:prstGeom prst="straightConnector1">
@@ -4345,6 +4240,551 @@
           </a:fontRef>
         </p:style>
       </p:cxnSp>
+      <mc:AlternateContent xmlns:mc="http://schemas.openxmlformats.org/markup-compatibility/2006">
+        <mc:Choice xmlns:a14="http://schemas.microsoft.com/office/drawing/2010/main" Requires="a14">
+          <p:sp>
+            <p:nvSpPr>
+              <p:cNvPr id="94" name="TextBox 93"/>
+              <p:cNvSpPr txBox="1"/>
+              <p:nvPr/>
+            </p:nvSpPr>
+            <p:spPr>
+              <a:xfrm>
+                <a:off x="3259814" y="5877272"/>
+                <a:ext cx="2624373" cy="658898"/>
+              </a:xfrm>
+              <a:prstGeom prst="rect">
+                <a:avLst/>
+              </a:prstGeom>
+              <a:noFill/>
+            </p:spPr>
+            <p:txBody>
+              <a:bodyPr wrap="none" rtlCol="0">
+                <a:spAutoFit/>
+              </a:bodyPr>
+              <a:lstStyle/>
+              <a:p>
+                <a:pPr/>
+                <a14:m>
+                  <m:oMathPara xmlns:m="http://schemas.openxmlformats.org/officeDocument/2006/math">
+                    <m:oMathParaPr>
+                      <m:jc m:val="center"/>
+                    </m:oMathParaPr>
+                    <m:oMath xmlns:m="http://schemas.openxmlformats.org/officeDocument/2006/math">
+                      <m:r>
+                        <a:rPr lang="en-US" altLang="ko-KR" sz="3600" b="0" i="1" smtClean="0">
+                          <a:latin typeface="Cambria Math"/>
+                        </a:rPr>
+                        <m:t>𝐴</m:t>
+                      </m:r>
+                      <m:r>
+                        <a:rPr lang="en-US" altLang="ko-KR" sz="3600" b="0" i="1" smtClean="0">
+                          <a:latin typeface="Cambria Math"/>
+                        </a:rPr>
+                        <m:t>=</m:t>
+                      </m:r>
+                      <m:r>
+                        <a:rPr lang="en-US" altLang="ko-KR" sz="3600" b="0" i="1" smtClean="0">
+                          <a:latin typeface="Cambria Math"/>
+                        </a:rPr>
+                        <m:t>𝑉</m:t>
+                      </m:r>
+                      <m:r>
+                        <m:rPr>
+                          <m:sty m:val="p"/>
+                        </m:rPr>
+                        <a:rPr lang="en-US" altLang="ko-KR" sz="3600" b="0" i="0" smtClean="0">
+                          <a:latin typeface="Cambria Math"/>
+                        </a:rPr>
+                        <m:t>Λ</m:t>
+                      </m:r>
+                      <m:sSup>
+                        <m:sSupPr>
+                          <m:ctrlPr>
+                            <a:rPr lang="en-US" altLang="ko-KR" sz="3600" i="1" smtClean="0">
+                              <a:latin typeface="Cambria Math"/>
+                            </a:rPr>
+                          </m:ctrlPr>
+                        </m:sSupPr>
+                        <m:e>
+                          <m:r>
+                            <a:rPr lang="en-US" altLang="ko-KR" sz="3600" b="0" i="1" smtClean="0">
+                              <a:latin typeface="Cambria Math"/>
+                            </a:rPr>
+                            <m:t>𝑉</m:t>
+                          </m:r>
+                        </m:e>
+                        <m:sup>
+                          <m:r>
+                            <a:rPr lang="en-US" altLang="ko-KR" sz="3600" b="0" i="1" smtClean="0">
+                              <a:latin typeface="Cambria Math"/>
+                            </a:rPr>
+                            <m:t>−1</m:t>
+                          </m:r>
+                        </m:sup>
+                      </m:sSup>
+                    </m:oMath>
+                  </m:oMathPara>
+                </a14:m>
+                <a:endParaRPr lang="ko-KR" altLang="en-US" sz="3600" dirty="0"/>
+              </a:p>
+            </p:txBody>
+          </p:sp>
+        </mc:Choice>
+        <mc:Fallback>
+          <p:sp>
+            <p:nvSpPr>
+              <p:cNvPr id="94" name="TextBox 93"/>
+              <p:cNvSpPr txBox="1">
+                <a:spLocks noRot="1" noChangeAspect="1" noMove="1" noResize="1" noEditPoints="1" noAdjustHandles="1" noChangeArrowheads="1" noChangeShapeType="1" noTextEdit="1"/>
+              </p:cNvSpPr>
+              <p:nvPr/>
+            </p:nvSpPr>
+            <p:spPr>
+              <a:xfrm>
+                <a:off x="3259814" y="5877272"/>
+                <a:ext cx="2624373" cy="658898"/>
+              </a:xfrm>
+              <a:prstGeom prst="rect">
+                <a:avLst/>
+              </a:prstGeom>
+              <a:blipFill rotWithShape="1">
+                <a:blip r:embed="rId8"/>
+                <a:stretch>
+                  <a:fillRect/>
+                </a:stretch>
+              </a:blipFill>
+            </p:spPr>
+            <p:txBody>
+              <a:bodyPr/>
+              <a:lstStyle/>
+              <a:p>
+                <a:r>
+                  <a:rPr lang="ko-KR" altLang="en-US">
+                    <a:noFill/>
+                  </a:rPr>
+                  <a:t> </a:t>
+                </a:r>
+              </a:p>
+            </p:txBody>
+          </p:sp>
+        </mc:Fallback>
+      </mc:AlternateContent>
+      <p:grpSp>
+        <p:nvGrpSpPr>
+          <p:cNvPr id="97" name="그룹 96"/>
+          <p:cNvGrpSpPr/>
+          <p:nvPr/>
+        </p:nvGrpSpPr>
+        <p:grpSpPr>
+          <a:xfrm rot="19800000">
+            <a:off x="5138871" y="724200"/>
+            <a:ext cx="3240360" cy="1368152"/>
+            <a:chOff x="5138871" y="3877136"/>
+            <a:chExt cx="3240360" cy="1368152"/>
+          </a:xfrm>
+        </p:grpSpPr>
+        <p:sp>
+          <p:nvSpPr>
+            <p:cNvPr id="98" name="타원 97"/>
+            <p:cNvSpPr/>
+            <p:nvPr/>
+          </p:nvSpPr>
+          <p:spPr>
+            <a:xfrm>
+              <a:off x="5138871" y="3877136"/>
+              <a:ext cx="3240360" cy="1368152"/>
+            </a:xfrm>
+            <a:prstGeom prst="ellipse">
+              <a:avLst/>
+            </a:prstGeom>
+            <a:solidFill>
+              <a:schemeClr val="bg1"/>
+            </a:solidFill>
+            <a:ln>
+              <a:solidFill>
+                <a:schemeClr val="tx1"/>
+              </a:solidFill>
+            </a:ln>
+          </p:spPr>
+          <p:style>
+            <a:lnRef idx="2">
+              <a:schemeClr val="accent1">
+                <a:shade val="50000"/>
+              </a:schemeClr>
+            </a:lnRef>
+            <a:fillRef idx="1">
+              <a:schemeClr val="accent1"/>
+            </a:fillRef>
+            <a:effectRef idx="0">
+              <a:schemeClr val="accent1"/>
+            </a:effectRef>
+            <a:fontRef idx="minor">
+              <a:schemeClr val="lt1"/>
+            </a:fontRef>
+          </p:style>
+          <p:txBody>
+            <a:bodyPr rtlCol="0" anchor="ctr"/>
+            <a:lstStyle/>
+            <a:p>
+              <a:pPr algn="ctr"/>
+              <a:endParaRPr lang="ko-KR" altLang="en-US"/>
+            </a:p>
+          </p:txBody>
+        </p:sp>
+        <p:cxnSp>
+          <p:nvCxnSpPr>
+            <p:cNvPr id="99" name="직선 화살표 연결선 98"/>
+            <p:cNvCxnSpPr/>
+            <p:nvPr/>
+          </p:nvCxnSpPr>
+          <p:spPr>
+            <a:xfrm>
+              <a:off x="6756340" y="4576509"/>
+              <a:ext cx="1416060" cy="345981"/>
+            </a:xfrm>
+            <a:prstGeom prst="straightConnector1">
+              <a:avLst/>
+            </a:prstGeom>
+            <a:ln w="38100">
+              <a:solidFill>
+                <a:schemeClr val="accent1"/>
+              </a:solidFill>
+              <a:tailEnd type="arrow"/>
+            </a:ln>
+          </p:spPr>
+          <p:style>
+            <a:lnRef idx="1">
+              <a:schemeClr val="accent1"/>
+            </a:lnRef>
+            <a:fillRef idx="0">
+              <a:schemeClr val="accent1"/>
+            </a:fillRef>
+            <a:effectRef idx="0">
+              <a:schemeClr val="accent1"/>
+            </a:effectRef>
+            <a:fontRef idx="minor">
+              <a:schemeClr val="tx1"/>
+            </a:fontRef>
+          </p:style>
+        </p:cxnSp>
+        <p:cxnSp>
+          <p:nvCxnSpPr>
+            <p:cNvPr id="100" name="직선 화살표 연결선 99"/>
+            <p:cNvCxnSpPr/>
+            <p:nvPr/>
+          </p:nvCxnSpPr>
+          <p:spPr>
+            <a:xfrm flipV="1">
+              <a:off x="6756341" y="4130402"/>
+              <a:ext cx="1272043" cy="446107"/>
+            </a:xfrm>
+            <a:prstGeom prst="straightConnector1">
+              <a:avLst/>
+            </a:prstGeom>
+            <a:ln w="38100">
+              <a:solidFill>
+                <a:srgbClr val="FF0000"/>
+              </a:solidFill>
+              <a:tailEnd type="arrow"/>
+            </a:ln>
+          </p:spPr>
+          <p:style>
+            <a:lnRef idx="1">
+              <a:schemeClr val="accent1"/>
+            </a:lnRef>
+            <a:fillRef idx="0">
+              <a:schemeClr val="accent1"/>
+            </a:fillRef>
+            <a:effectRef idx="0">
+              <a:schemeClr val="accent1"/>
+            </a:effectRef>
+            <a:fontRef idx="minor">
+              <a:schemeClr val="tx1"/>
+            </a:fontRef>
+          </p:style>
+        </p:cxnSp>
+        <p:cxnSp>
+          <p:nvCxnSpPr>
+            <p:cNvPr id="101" name="직선 연결선 100"/>
+            <p:cNvCxnSpPr>
+              <a:endCxn id="98" idx="6"/>
+            </p:cNvCxnSpPr>
+            <p:nvPr/>
+          </p:nvCxnSpPr>
+          <p:spPr>
+            <a:xfrm flipV="1">
+              <a:off x="6764351" y="4561212"/>
+              <a:ext cx="1614880" cy="15297"/>
+            </a:xfrm>
+            <a:prstGeom prst="line">
+              <a:avLst/>
+            </a:prstGeom>
+            <a:ln>
+              <a:solidFill>
+                <a:schemeClr val="tx1"/>
+              </a:solidFill>
+              <a:prstDash val="lgDash"/>
+            </a:ln>
+          </p:spPr>
+          <p:style>
+            <a:lnRef idx="1">
+              <a:schemeClr val="accent1"/>
+            </a:lnRef>
+            <a:fillRef idx="0">
+              <a:schemeClr val="accent1"/>
+            </a:fillRef>
+            <a:effectRef idx="0">
+              <a:schemeClr val="accent1"/>
+            </a:effectRef>
+            <a:fontRef idx="minor">
+              <a:schemeClr val="tx1"/>
+            </a:fontRef>
+          </p:style>
+        </p:cxnSp>
+        <p:cxnSp>
+          <p:nvCxnSpPr>
+            <p:cNvPr id="102" name="직선 연결선 101"/>
+            <p:cNvCxnSpPr>
+              <a:endCxn id="98" idx="0"/>
+            </p:cNvCxnSpPr>
+            <p:nvPr/>
+          </p:nvCxnSpPr>
+          <p:spPr>
+            <a:xfrm flipV="1">
+              <a:off x="6759051" y="3877136"/>
+              <a:ext cx="0" cy="691724"/>
+            </a:xfrm>
+            <a:prstGeom prst="line">
+              <a:avLst/>
+            </a:prstGeom>
+            <a:ln>
+              <a:solidFill>
+                <a:schemeClr val="tx1"/>
+              </a:solidFill>
+              <a:prstDash val="lgDash"/>
+            </a:ln>
+          </p:spPr>
+          <p:style>
+            <a:lnRef idx="1">
+              <a:schemeClr val="accent1"/>
+            </a:lnRef>
+            <a:fillRef idx="0">
+              <a:schemeClr val="accent1"/>
+            </a:fillRef>
+            <a:effectRef idx="0">
+              <a:schemeClr val="accent1"/>
+            </a:effectRef>
+            <a:fontRef idx="minor">
+              <a:schemeClr val="tx1"/>
+            </a:fontRef>
+          </p:style>
+        </p:cxnSp>
+        <mc:AlternateContent xmlns:mc="http://schemas.openxmlformats.org/markup-compatibility/2006">
+          <mc:Choice xmlns:a14="http://schemas.microsoft.com/office/drawing/2010/main" Requires="a14">
+            <p:sp>
+              <p:nvSpPr>
+                <p:cNvPr id="103" name="TextBox 102"/>
+                <p:cNvSpPr txBox="1"/>
+                <p:nvPr/>
+              </p:nvSpPr>
+              <p:spPr>
+                <a:xfrm>
+                  <a:off x="7621645" y="4207175"/>
+                  <a:ext cx="488659" cy="369332"/>
+                </a:xfrm>
+                <a:prstGeom prst="rect">
+                  <a:avLst/>
+                </a:prstGeom>
+                <a:noFill/>
+              </p:spPr>
+              <p:txBody>
+                <a:bodyPr wrap="none" rtlCol="0">
+                  <a:spAutoFit/>
+                </a:bodyPr>
+                <a:lstStyle/>
+                <a:p>
+                  <a14:m>
+                    <m:oMathPara xmlns:m="http://schemas.openxmlformats.org/officeDocument/2006/math">
+                      <m:oMathParaPr>
+                        <m:jc m:val="centerGroup"/>
+                      </m:oMathParaPr>
+                      <m:oMath xmlns:m="http://schemas.openxmlformats.org/officeDocument/2006/math">
+                        <m:sSub>
+                          <m:sSubPr>
+                            <m:ctrlPr>
+                              <a:rPr lang="en-US" altLang="ko-KR" b="0" i="1" smtClean="0">
+                                <a:latin typeface="Cambria Math"/>
+                              </a:rPr>
+                            </m:ctrlPr>
+                          </m:sSubPr>
+                          <m:e>
+                            <m:r>
+                              <a:rPr lang="en-US" altLang="ko-KR" b="0" i="1" smtClean="0">
+                                <a:latin typeface="Cambria Math"/>
+                              </a:rPr>
+                              <m:t>𝜆</m:t>
+                            </m:r>
+                          </m:e>
+                          <m:sub>
+                            <m:r>
+                              <a:rPr lang="en-US" altLang="ko-KR" b="0" i="1" smtClean="0">
+                                <a:latin typeface="Cambria Math"/>
+                              </a:rPr>
+                              <m:t>1</m:t>
+                            </m:r>
+                          </m:sub>
+                        </m:sSub>
+                      </m:oMath>
+                    </m:oMathPara>
+                  </a14:m>
+                  <a:endParaRPr lang="ko-KR" altLang="en-US" dirty="0"/>
+                </a:p>
+              </p:txBody>
+            </p:sp>
+          </mc:Choice>
+          <mc:Fallback>
+            <p:sp>
+              <p:nvSpPr>
+                <p:cNvPr id="103" name="TextBox 102"/>
+                <p:cNvSpPr txBox="1">
+                  <a:spLocks noRot="1" noChangeAspect="1" noMove="1" noResize="1" noEditPoints="1" noAdjustHandles="1" noChangeArrowheads="1" noChangeShapeType="1" noTextEdit="1"/>
+                </p:cNvSpPr>
+                <p:nvPr/>
+              </p:nvSpPr>
+              <p:spPr>
+                <a:xfrm>
+                  <a:off x="7621645" y="4207175"/>
+                  <a:ext cx="488659" cy="369332"/>
+                </a:xfrm>
+                <a:prstGeom prst="rect">
+                  <a:avLst/>
+                </a:prstGeom>
+                <a:blipFill rotWithShape="1">
+                  <a:blip r:embed="rId9"/>
+                  <a:stretch>
+                    <a:fillRect/>
+                  </a:stretch>
+                </a:blipFill>
+              </p:spPr>
+              <p:txBody>
+                <a:bodyPr/>
+                <a:lstStyle/>
+                <a:p>
+                  <a:r>
+                    <a:rPr lang="ko-KR" altLang="en-US">
+                      <a:noFill/>
+                    </a:rPr>
+                    <a:t> </a:t>
+                  </a:r>
+                </a:p>
+              </p:txBody>
+            </p:sp>
+          </mc:Fallback>
+        </mc:AlternateContent>
+        <mc:AlternateContent xmlns:mc="http://schemas.openxmlformats.org/markup-compatibility/2006">
+          <mc:Choice xmlns:a14="http://schemas.microsoft.com/office/drawing/2010/main" Requires="a14">
+            <p:sp>
+              <p:nvSpPr>
+                <p:cNvPr id="104" name="TextBox 103"/>
+                <p:cNvSpPr txBox="1"/>
+                <p:nvPr/>
+              </p:nvSpPr>
+              <p:spPr>
+                <a:xfrm>
+                  <a:off x="6323608" y="4010010"/>
+                  <a:ext cx="493981" cy="369332"/>
+                </a:xfrm>
+                <a:prstGeom prst="rect">
+                  <a:avLst/>
+                </a:prstGeom>
+                <a:noFill/>
+              </p:spPr>
+              <p:txBody>
+                <a:bodyPr wrap="none" rtlCol="0">
+                  <a:spAutoFit/>
+                </a:bodyPr>
+                <a:lstStyle/>
+                <a:p>
+                  <a14:m>
+                    <m:oMathPara xmlns:m="http://schemas.openxmlformats.org/officeDocument/2006/math">
+                      <m:oMathParaPr>
+                        <m:jc m:val="centerGroup"/>
+                      </m:oMathParaPr>
+                      <m:oMath xmlns:m="http://schemas.openxmlformats.org/officeDocument/2006/math">
+                        <m:sSub>
+                          <m:sSubPr>
+                            <m:ctrlPr>
+                              <a:rPr lang="en-US" altLang="ko-KR" b="0" i="1" smtClean="0">
+                                <a:latin typeface="Cambria Math"/>
+                              </a:rPr>
+                            </m:ctrlPr>
+                          </m:sSubPr>
+                          <m:e>
+                            <m:r>
+                              <a:rPr lang="en-US" altLang="ko-KR" b="0" i="1" smtClean="0">
+                                <a:latin typeface="Cambria Math"/>
+                              </a:rPr>
+                              <m:t>𝜆</m:t>
+                            </m:r>
+                          </m:e>
+                          <m:sub>
+                            <m:r>
+                              <a:rPr lang="en-US" altLang="ko-KR" b="0" i="1" smtClean="0">
+                                <a:latin typeface="Cambria Math"/>
+                              </a:rPr>
+                              <m:t>2</m:t>
+                            </m:r>
+                          </m:sub>
+                        </m:sSub>
+                      </m:oMath>
+                    </m:oMathPara>
+                  </a14:m>
+                  <a:endParaRPr lang="ko-KR" altLang="en-US" dirty="0"/>
+                </a:p>
+              </p:txBody>
+            </p:sp>
+          </mc:Choice>
+          <mc:Fallback>
+            <p:sp>
+              <p:nvSpPr>
+                <p:cNvPr id="104" name="TextBox 103"/>
+                <p:cNvSpPr txBox="1">
+                  <a:spLocks noRot="1" noChangeAspect="1" noMove="1" noResize="1" noEditPoints="1" noAdjustHandles="1" noChangeArrowheads="1" noChangeShapeType="1" noTextEdit="1"/>
+                </p:cNvSpPr>
+                <p:nvPr/>
+              </p:nvSpPr>
+              <p:spPr>
+                <a:xfrm>
+                  <a:off x="6323608" y="4010010"/>
+                  <a:ext cx="493981" cy="369332"/>
+                </a:xfrm>
+                <a:prstGeom prst="rect">
+                  <a:avLst/>
+                </a:prstGeom>
+                <a:blipFill rotWithShape="1">
+                  <a:blip r:embed="rId10"/>
+                  <a:stretch>
+                    <a:fillRect/>
+                  </a:stretch>
+                </a:blipFill>
+              </p:spPr>
+              <p:txBody>
+                <a:bodyPr/>
+                <a:lstStyle/>
+                <a:p>
+                  <a:r>
+                    <a:rPr lang="ko-KR" altLang="en-US">
+                      <a:noFill/>
+                    </a:rPr>
+                    <a:t> </a:t>
+                  </a:r>
+                </a:p>
+              </p:txBody>
+            </p:sp>
+          </mc:Fallback>
+        </mc:AlternateContent>
+      </p:grpSp>
     </p:spTree>
     <p:extLst>
       <p:ext uri="{BB962C8B-B14F-4D97-AF65-F5344CB8AC3E}">
